--- a/doc/3_ 설계서/Class Design.pptx
+++ b/doc/3_ 설계서/Class Design.pptx
@@ -5,15 +5,17 @@
     <p:sldMasterId id="2147483655" r:id="rId1"/>
   </p:sldMasterIdLst>
   <p:notesMasterIdLst>
-    <p:notesMasterId r:id="rId5"/>
+    <p:notesMasterId r:id="rId7"/>
   </p:notesMasterIdLst>
   <p:handoutMasterIdLst>
-    <p:handoutMasterId r:id="rId6"/>
+    <p:handoutMasterId r:id="rId8"/>
   </p:handoutMasterIdLst>
   <p:sldIdLst>
     <p:sldId id="256" r:id="rId2"/>
     <p:sldId id="257" r:id="rId3"/>
     <p:sldId id="258" r:id="rId4"/>
+    <p:sldId id="259" r:id="rId5"/>
+    <p:sldId id="260" r:id="rId6"/>
   </p:sldIdLst>
   <p:sldSz cx="9144000" cy="6858000" type="screen4x3"/>
   <p:notesSz cx="6797675" cy="9928225"/>
@@ -142,7 +144,46 @@
       </a:defRPr>
     </a:lvl9pPr>
   </p:defaultTextStyle>
+  <p:extLst>
+    <p:ext uri="{EFAFB233-063F-42B5-8137-9DF3F51BA10A}">
+      <p15:sldGuideLst xmlns:p15="http://schemas.microsoft.com/office/powerpoint/2012/main">
+        <p15:guide id="1" orient="horz">
+          <p15:clr>
+            <a:srgbClr val="A4A3A4"/>
+          </p15:clr>
+        </p15:guide>
+        <p15:guide id="2" pos="2880">
+          <p15:clr>
+            <a:srgbClr val="A4A3A4"/>
+          </p15:clr>
+        </p15:guide>
+        <p15:guide id="3" pos="6">
+          <p15:clr>
+            <a:srgbClr val="A4A3A4"/>
+          </p15:clr>
+        </p15:guide>
+      </p15:sldGuideLst>
+    </p:ext>
+    <p:ext uri="{2D200454-40CA-4A62-9FC3-DE9A4176ACB9}">
+      <p15:notesGuideLst xmlns:p15="http://schemas.microsoft.com/office/powerpoint/2012/main">
+        <p15:guide id="1" orient="horz" pos="3126">
+          <p15:clr>
+            <a:srgbClr val="A4A3A4"/>
+          </p15:clr>
+        </p15:guide>
+        <p15:guide id="2" pos="2140">
+          <p15:clr>
+            <a:srgbClr val="A4A3A4"/>
+          </p15:clr>
+        </p15:guide>
+      </p15:notesGuideLst>
+    </p:ext>
+  </p:extLst>
 </p:presentation>
+</file>
+
+<file path=ppt/revisionInfo.xml><?xml version="1.0" encoding="utf-8"?>
+<p1510:revInfo xmlns:a="http://schemas.openxmlformats.org/drawingml/2006/main" xmlns:r="http://schemas.openxmlformats.org/officeDocument/2006/relationships" xmlns:p1510="http://schemas.microsoft.com/office/powerpoint/2015/10/main"/>
 </file>
 
 <file path=ppt/handoutMasters/handoutMaster1.xml><?xml version="1.0" encoding="utf-8"?>
@@ -554,35 +595,35 @@
           <a:p>
             <a:pPr lvl="0"/>
             <a:r>
-              <a:rPr lang="en-GB" altLang="ko-KR" smtClean="0"/>
+              <a:rPr lang="en-GB" altLang="ko-KR"/>
               <a:t>Click to edit Master text styles</a:t>
             </a:r>
           </a:p>
           <a:p>
             <a:pPr lvl="1"/>
             <a:r>
-              <a:rPr lang="en-GB" altLang="ko-KR" smtClean="0"/>
+              <a:rPr lang="en-GB" altLang="ko-KR"/>
               <a:t>Second level</a:t>
             </a:r>
           </a:p>
           <a:p>
             <a:pPr lvl="2"/>
             <a:r>
-              <a:rPr lang="en-GB" altLang="ko-KR" smtClean="0"/>
+              <a:rPr lang="en-GB" altLang="ko-KR"/>
               <a:t>Third level</a:t>
             </a:r>
           </a:p>
           <a:p>
             <a:pPr lvl="3"/>
             <a:r>
-              <a:rPr lang="en-GB" altLang="ko-KR" smtClean="0"/>
+              <a:rPr lang="en-GB" altLang="ko-KR"/>
               <a:t>Fourth level</a:t>
             </a:r>
           </a:p>
           <a:p>
             <a:pPr lvl="4"/>
             <a:r>
-              <a:rPr lang="en-GB" altLang="ko-KR" smtClean="0"/>
+              <a:rPr lang="en-GB" altLang="ko-KR"/>
               <a:t>Fifth level</a:t>
             </a:r>
           </a:p>
@@ -973,7 +1014,7 @@
           </a:bodyPr>
           <a:lstStyle/>
           <a:p>
-            <a:endParaRPr lang="en-US" altLang="ko-KR" sz="2400" b="1" dirty="0" smtClean="0">
+            <a:endParaRPr lang="en-US" altLang="ko-KR" sz="2400" b="1" dirty="0">
               <a:latin typeface="HY헤드라인M" pitchFamily="18" charset="-127"/>
               <a:ea typeface="HY헤드라인M" pitchFamily="18" charset="-127"/>
             </a:endParaRPr>
@@ -1027,18 +1068,13 @@
             </a:lvl1pPr>
           </a:lstStyle>
           <a:p>
-            <a:r>
-              <a:rPr lang="en-US" altLang="ko-KR" dirty="0" smtClean="0"/>
-              <a:t/>
-            </a:r>
             <a:br>
-              <a:rPr lang="en-US" altLang="ko-KR" dirty="0" smtClean="0"/>
+              <a:rPr lang="en-US" altLang="ko-KR" dirty="0"/>
             </a:br>
             <a:r>
-              <a:rPr lang="ko-KR" altLang="en-US" dirty="0" smtClean="0"/>
+              <a:rPr lang="ko-KR" altLang="en-US" dirty="0"/>
               <a:t>마스터 제목 스타일 편집</a:t>
             </a:r>
-            <a:endParaRPr lang="ko-KR" altLang="en-US" dirty="0"/>
           </a:p>
         </p:txBody>
       </p:sp>
@@ -1090,10 +1126,34 @@
             <a:tbl>
               <a:tblPr/>
               <a:tblGrid>
-                <a:gridCol w="1022523"/>
-                <a:gridCol w="3439486"/>
-                <a:gridCol w="947956"/>
-                <a:gridCol w="3523377"/>
+                <a:gridCol w="1022523">
+                  <a:extLst>
+                    <a:ext uri="{9D8B030D-6E8A-4147-A177-3AD203B41FA5}">
+                      <a16:colId xmlns:a16="http://schemas.microsoft.com/office/drawing/2014/main" val="20000"/>
+                    </a:ext>
+                  </a:extLst>
+                </a:gridCol>
+                <a:gridCol w="3439486">
+                  <a:extLst>
+                    <a:ext uri="{9D8B030D-6E8A-4147-A177-3AD203B41FA5}">
+                      <a16:colId xmlns:a16="http://schemas.microsoft.com/office/drawing/2014/main" val="20001"/>
+                    </a:ext>
+                  </a:extLst>
+                </a:gridCol>
+                <a:gridCol w="947956">
+                  <a:extLst>
+                    <a:ext uri="{9D8B030D-6E8A-4147-A177-3AD203B41FA5}">
+                      <a16:colId xmlns:a16="http://schemas.microsoft.com/office/drawing/2014/main" val="20002"/>
+                    </a:ext>
+                  </a:extLst>
+                </a:gridCol>
+                <a:gridCol w="3523377">
+                  <a:extLst>
+                    <a:ext uri="{9D8B030D-6E8A-4147-A177-3AD203B41FA5}">
+                      <a16:colId xmlns:a16="http://schemas.microsoft.com/office/drawing/2014/main" val="20003"/>
+                    </a:ext>
+                  </a:extLst>
+                </a:gridCol>
               </a:tblGrid>
               <a:tr h="299619">
                 <a:tc rowSpan="2">
@@ -1118,7 +1178,7 @@
                         <a:tabLst/>
                       </a:pPr>
                       <a:r>
-                        <a:rPr kumimoji="1" lang="ko-KR" altLang="en-US" sz="900" b="0" i="0" u="none" strike="noStrike" cap="none" normalizeH="0" baseline="0" dirty="0" smtClean="0">
+                        <a:rPr kumimoji="1" lang="ko-KR" altLang="en-US" sz="900" b="0" i="0" u="none" strike="noStrike" cap="none" normalizeH="0" baseline="0" dirty="0">
                           <a:ln>
                             <a:noFill/>
                           </a:ln>
@@ -1131,7 +1191,7 @@
                         </a:rPr>
                         <a:t>프로젝트 명</a:t>
                       </a:r>
-                      <a:endParaRPr kumimoji="1" lang="ko-KR" altLang="ko-KR" sz="900" b="0" i="0" u="none" strike="noStrike" cap="none" normalizeH="0" baseline="0" dirty="0" smtClean="0">
+                      <a:endParaRPr kumimoji="1" lang="ko-KR" altLang="ko-KR" sz="900" b="0" i="0" u="none" strike="noStrike" cap="none" normalizeH="0" baseline="0" dirty="0">
                         <a:ln>
                           <a:noFill/>
                         </a:ln>
@@ -1213,7 +1273,7 @@
                         <a:buNone/>
                         <a:tabLst/>
                       </a:pPr>
-                      <a:endParaRPr kumimoji="1" lang="ko-KR" altLang="ko-KR" sz="900" b="0" i="0" u="none" strike="noStrike" cap="none" normalizeH="0" baseline="0" dirty="0" smtClean="0">
+                      <a:endParaRPr kumimoji="1" lang="ko-KR" altLang="ko-KR" sz="900" b="0" i="0" u="none" strike="noStrike" cap="none" normalizeH="0" baseline="0" dirty="0">
                         <a:ln>
                           <a:noFill/>
                         </a:ln>
@@ -1294,7 +1354,7 @@
                         <a:tabLst/>
                       </a:pPr>
                       <a:r>
-                        <a:rPr kumimoji="1" lang="ko-KR" altLang="en-US" sz="900" b="0" i="0" u="none" strike="noStrike" cap="none" normalizeH="0" baseline="0" dirty="0" smtClean="0">
+                        <a:rPr kumimoji="1" lang="ko-KR" altLang="en-US" sz="900" b="0" i="0" u="none" strike="noStrike" cap="none" normalizeH="0" baseline="0" dirty="0">
                           <a:ln>
                             <a:noFill/>
                           </a:ln>
@@ -1307,7 +1367,7 @@
                         </a:rPr>
                         <a:t>문서 명</a:t>
                       </a:r>
-                      <a:endParaRPr kumimoji="1" lang="ko-KR" altLang="ko-KR" sz="900" b="0" i="0" u="none" strike="noStrike" cap="none" normalizeH="0" baseline="0" dirty="0" smtClean="0">
+                      <a:endParaRPr kumimoji="1" lang="ko-KR" altLang="ko-KR" sz="900" b="0" i="0" u="none" strike="noStrike" cap="none" normalizeH="0" baseline="0" dirty="0">
                         <a:ln>
                           <a:noFill/>
                         </a:ln>
@@ -1390,7 +1450,7 @@
                         <a:tabLst/>
                       </a:pPr>
                       <a:r>
-                        <a:rPr kumimoji="1" lang="en-US" altLang="ko-KR" sz="900" b="0" i="0" u="none" strike="noStrike" cap="none" normalizeH="0" baseline="0" dirty="0" smtClean="0">
+                        <a:rPr kumimoji="1" lang="en-US" altLang="ko-KR" sz="900" b="0" i="0" u="none" strike="noStrike" cap="none" normalizeH="0" baseline="0" dirty="0">
                           <a:ln>
                             <a:noFill/>
                           </a:ln>
@@ -1404,7 +1464,7 @@
                         <a:t>Class </a:t>
                       </a:r>
                       <a:r>
-                        <a:rPr kumimoji="1" lang="ko-KR" altLang="en-US" sz="900" b="0" i="0" u="none" strike="noStrike" cap="none" normalizeH="0" baseline="0" dirty="0" smtClean="0">
+                        <a:rPr kumimoji="1" lang="ko-KR" altLang="en-US" sz="900" b="0" i="0" u="none" strike="noStrike" cap="none" normalizeH="0" baseline="0" dirty="0">
                           <a:ln>
                             <a:noFill/>
                           </a:ln>
@@ -1417,7 +1477,7 @@
                         </a:rPr>
                         <a:t>설계서</a:t>
                       </a:r>
-                      <a:endParaRPr kumimoji="1" lang="ko-KR" sz="900" b="0" i="0" u="none" strike="noStrike" cap="none" normalizeH="0" baseline="0" dirty="0" smtClean="0">
+                      <a:endParaRPr kumimoji="1" lang="ko-KR" sz="900" b="0" i="0" u="none" strike="noStrike" cap="none" normalizeH="0" baseline="0" dirty="0">
                         <a:ln>
                           <a:noFill/>
                         </a:ln>
@@ -1476,6 +1536,11 @@
                     <a:noFill/>
                   </a:tcPr>
                 </a:tc>
+                <a:extLst>
+                  <a:ext uri="{0D108BD9-81ED-4DB2-BD59-A6C34878D82A}">
+                    <a16:rowId xmlns:a16="http://schemas.microsoft.com/office/drawing/2014/main" val="10000"/>
+                  </a:ext>
+                </a:extLst>
               </a:tr>
               <a:tr h="297106">
                 <a:tc vMerge="1">
@@ -1499,7 +1564,7 @@
                         <a:buNone/>
                         <a:tabLst/>
                       </a:pPr>
-                      <a:endParaRPr kumimoji="1" lang="ko-KR" sz="900" b="0" i="0" u="none" strike="noStrike" cap="none" normalizeH="0" baseline="0" dirty="0" smtClean="0">
+                      <a:endParaRPr kumimoji="1" lang="ko-KR" sz="900" b="0" i="0" u="none" strike="noStrike" cap="none" normalizeH="0" baseline="0" dirty="0">
                         <a:ln>
                           <a:noFill/>
                         </a:ln>
@@ -1581,7 +1646,7 @@
                         <a:buNone/>
                         <a:tabLst/>
                       </a:pPr>
-                      <a:endParaRPr kumimoji="1" lang="ko-KR" altLang="ko-KR" sz="900" b="0" i="0" u="none" strike="noStrike" cap="none" normalizeH="0" baseline="0" dirty="0" smtClean="0">
+                      <a:endParaRPr kumimoji="1" lang="ko-KR" altLang="ko-KR" sz="900" b="0" i="0" u="none" strike="noStrike" cap="none" normalizeH="0" baseline="0" dirty="0">
                         <a:ln>
                           <a:noFill/>
                         </a:ln>
@@ -1662,7 +1727,7 @@
                         <a:tabLst/>
                       </a:pPr>
                       <a:r>
-                        <a:rPr kumimoji="1" lang="ko-KR" altLang="en-US" sz="900" b="0" i="0" u="none" strike="noStrike" cap="none" normalizeH="0" baseline="0" dirty="0" smtClean="0">
+                        <a:rPr kumimoji="1" lang="ko-KR" altLang="en-US" sz="900" b="0" i="0" u="none" strike="noStrike" cap="none" normalizeH="0" baseline="0" dirty="0">
                           <a:ln>
                             <a:noFill/>
                           </a:ln>
@@ -1675,7 +1740,7 @@
                         </a:rPr>
                         <a:t>버전</a:t>
                       </a:r>
-                      <a:endParaRPr kumimoji="1" lang="ko-KR" altLang="ko-KR" sz="900" b="0" i="0" u="none" strike="noStrike" cap="none" normalizeH="0" baseline="0" dirty="0" smtClean="0">
+                      <a:endParaRPr kumimoji="1" lang="ko-KR" altLang="ko-KR" sz="900" b="0" i="0" u="none" strike="noStrike" cap="none" normalizeH="0" baseline="0" dirty="0">
                         <a:ln>
                           <a:noFill/>
                         </a:ln>
@@ -1758,7 +1823,7 @@
                         <a:tabLst/>
                       </a:pPr>
                       <a:r>
-                        <a:rPr kumimoji="1" lang="en-US" altLang="ko-KR" sz="900" b="0" i="0" u="none" strike="noStrike" cap="none" normalizeH="0" baseline="0" dirty="0" smtClean="0">
+                        <a:rPr kumimoji="1" lang="en-US" altLang="ko-KR" sz="900" b="0" i="0" u="none" strike="noStrike" cap="none" normalizeH="0" baseline="0" dirty="0">
                           <a:ln>
                             <a:noFill/>
                           </a:ln>
@@ -1771,7 +1836,7 @@
                         </a:rPr>
                         <a:t>V X.X</a:t>
                       </a:r>
-                      <a:endParaRPr kumimoji="1" lang="ko-KR" altLang="ko-KR" sz="900" b="0" i="0" u="none" strike="noStrike" cap="none" normalizeH="0" baseline="0" dirty="0" smtClean="0">
+                      <a:endParaRPr kumimoji="1" lang="ko-KR" altLang="ko-KR" sz="900" b="0" i="0" u="none" strike="noStrike" cap="none" normalizeH="0" baseline="0" dirty="0">
                         <a:ln>
                           <a:noFill/>
                         </a:ln>
@@ -1830,6 +1895,11 @@
                     <a:noFill/>
                   </a:tcPr>
                 </a:tc>
+                <a:extLst>
+                  <a:ext uri="{0D108BD9-81ED-4DB2-BD59-A6C34878D82A}">
+                    <a16:rowId xmlns:a16="http://schemas.microsoft.com/office/drawing/2014/main" val="10001"/>
+                  </a:ext>
+                </a:extLst>
               </a:tr>
             </a:tbl>
           </a:graphicData>
@@ -1882,7 +1952,7 @@
           <a:p>
             <a:pPr algn="r"/>
             <a:r>
-              <a:rPr lang="ko-KR" altLang="en-US" dirty="0" smtClean="0"/>
+              <a:rPr lang="ko-KR" altLang="en-US" dirty="0"/>
               <a:t>팀 명</a:t>
             </a:r>
             <a:endParaRPr lang="en-US" altLang="ko-KR" dirty="0"/>
@@ -1939,7 +2009,7 @@
               <a:buNone/>
               <a:tabLst/>
             </a:pPr>
-            <a:endParaRPr kumimoji="0" lang="ko-KR" altLang="en-US" sz="1400" b="0" i="0" u="none" strike="noStrike" cap="none" normalizeH="0" baseline="0" smtClean="0">
+            <a:endParaRPr kumimoji="0" lang="ko-KR" altLang="en-US" sz="1400" b="0" i="0" u="none" strike="noStrike" cap="none" normalizeH="0" baseline="0">
               <a:ln>
                 <a:noFill/>
               </a:ln>
@@ -2008,7 +2078,7 @@
           </a:lstStyle>
           <a:p>
             <a:r>
-              <a:rPr lang="ko-KR" altLang="en-US" smtClean="0"/>
+              <a:rPr lang="ko-KR" altLang="en-US"/>
               <a:t>마스터 제목 스타일 편집</a:t>
             </a:r>
             <a:endParaRPr lang="ko-KR" altLang="en-US" dirty="0"/>
@@ -2058,35 +2128,35 @@
           <a:p>
             <a:pPr lvl="0"/>
             <a:r>
-              <a:rPr lang="ko-KR" altLang="en-US" smtClean="0"/>
+              <a:rPr lang="ko-KR" altLang="en-US"/>
               <a:t>마스터 텍스트 스타일을 편집합니다</a:t>
             </a:r>
           </a:p>
           <a:p>
             <a:pPr lvl="1"/>
             <a:r>
-              <a:rPr lang="ko-KR" altLang="en-US" smtClean="0"/>
+              <a:rPr lang="ko-KR" altLang="en-US"/>
               <a:t>둘째 수준</a:t>
             </a:r>
           </a:p>
           <a:p>
             <a:pPr lvl="2"/>
             <a:r>
-              <a:rPr lang="ko-KR" altLang="en-US" smtClean="0"/>
+              <a:rPr lang="ko-KR" altLang="en-US"/>
               <a:t>셋째 수준</a:t>
             </a:r>
           </a:p>
           <a:p>
             <a:pPr lvl="3"/>
             <a:r>
-              <a:rPr lang="ko-KR" altLang="en-US" smtClean="0"/>
+              <a:rPr lang="ko-KR" altLang="en-US"/>
               <a:t>넷째 수준</a:t>
             </a:r>
           </a:p>
           <a:p>
             <a:pPr lvl="4"/>
             <a:r>
-              <a:rPr lang="ko-KR" altLang="en-US" smtClean="0"/>
+              <a:rPr lang="ko-KR" altLang="en-US"/>
               <a:t>다섯째 수준</a:t>
             </a:r>
             <a:endParaRPr lang="ko-KR" altLang="en-US" dirty="0"/>
@@ -2210,7 +2280,7 @@
           <a:p>
             <a:pPr algn="r"/>
             <a:r>
-              <a:rPr lang="ko-KR" altLang="en-US" dirty="0" smtClean="0"/>
+              <a:rPr lang="ko-KR" altLang="en-US" dirty="0"/>
               <a:t>팀 명</a:t>
             </a:r>
             <a:endParaRPr lang="en-US" altLang="ko-KR" dirty="0"/>
@@ -2415,7 +2485,7 @@
           <a:p>
             <a:pPr algn="r"/>
             <a:r>
-              <a:rPr lang="ko-KR" altLang="en-US" dirty="0" smtClean="0"/>
+              <a:rPr lang="ko-KR" altLang="en-US" dirty="0"/>
               <a:t>팀 명</a:t>
             </a:r>
             <a:endParaRPr lang="en-US" altLang="ko-KR" dirty="0"/>
@@ -2961,35 +3031,30 @@
           <a:bodyPr/>
           <a:lstStyle/>
           <a:p>
-            <a:r>
-              <a:rPr lang="en-US" altLang="ko-KR" dirty="0" smtClean="0"/>
-              <a:t/>
-            </a:r>
             <a:br>
-              <a:rPr lang="en-US" altLang="ko-KR" dirty="0" smtClean="0"/>
+              <a:rPr lang="en-US" altLang="ko-KR" dirty="0"/>
             </a:br>
             <a:r>
-              <a:rPr lang="en-US" altLang="ko-KR" dirty="0" smtClean="0"/>
+              <a:rPr lang="en-US" altLang="ko-KR" dirty="0"/>
               <a:t>Class </a:t>
             </a:r>
             <a:r>
-              <a:rPr lang="ko-KR" altLang="en-US" dirty="0" smtClean="0"/>
+              <a:rPr lang="ko-KR" altLang="en-US" dirty="0"/>
               <a:t>설계서</a:t>
             </a:r>
-            <a:endParaRPr lang="ko-KR" altLang="en-US" dirty="0"/>
           </a:p>
         </p:txBody>
       </p:sp>
       <p:sp>
         <p:nvSpPr>
-          <p:cNvPr id="4" name="TextBox 3"/>
+          <p:cNvPr id="5" name="TextBox 4"/>
           <p:cNvSpPr txBox="1"/>
           <p:nvPr/>
         </p:nvSpPr>
         <p:spPr>
           <a:xfrm>
-            <a:off x="7751445" y="4372844"/>
-            <a:ext cx="768159" cy="400110"/>
+            <a:off x="5617845" y="3526458"/>
+            <a:ext cx="3164649" cy="2769989"/>
           </a:xfrm>
           <a:prstGeom prst="rect">
             <a:avLst/>
@@ -3002,10 +3067,74 @@
           </a:bodyPr>
           <a:lstStyle/>
           <a:p>
+            <a:pPr latinLnBrk="1"/>
             <a:r>
-              <a:rPr lang="ko-KR" altLang="en-US" sz="2000" dirty="0" smtClean="0"/>
-              <a:t>팀 명</a:t>
+              <a:rPr lang="en-US" altLang="ko-KR" sz="2800" dirty="0"/>
+              <a:t>&lt;1</a:t>
             </a:r>
+            <a:r>
+              <a:rPr lang="ko-KR" altLang="ko-KR" sz="2800" dirty="0"/>
+              <a:t>조</a:t>
+            </a:r>
+            <a:r>
+              <a:rPr lang="en-US" altLang="ko-KR" sz="2800" dirty="0"/>
+              <a:t> Big Bang&gt;</a:t>
+            </a:r>
+            <a:endParaRPr lang="ko-KR" altLang="ko-KR" sz="2800" dirty="0"/>
+          </a:p>
+          <a:p>
+            <a:pPr latinLnBrk="1"/>
+            <a:r>
+              <a:rPr lang="en-US" altLang="ko-KR" sz="2800" dirty="0"/>
+              <a:t>201511026 </a:t>
+            </a:r>
+            <a:r>
+              <a:rPr lang="ko-KR" altLang="ko-KR" sz="2800" dirty="0"/>
+              <a:t>서현아</a:t>
+            </a:r>
+          </a:p>
+          <a:p>
+            <a:pPr latinLnBrk="1"/>
+            <a:r>
+              <a:rPr lang="en-US" altLang="ko-KR" sz="2800" dirty="0"/>
+              <a:t>201111235 </a:t>
+            </a:r>
+            <a:r>
+              <a:rPr lang="ko-KR" altLang="ko-KR" sz="2800" dirty="0"/>
+              <a:t>신동규</a:t>
+            </a:r>
+          </a:p>
+          <a:p>
+            <a:pPr latinLnBrk="1"/>
+            <a:r>
+              <a:rPr lang="en-US" altLang="ko-KR" sz="2800" dirty="0"/>
+              <a:t>201510998 </a:t>
+            </a:r>
+            <a:r>
+              <a:rPr lang="ko-KR" altLang="ko-KR" sz="2800" dirty="0"/>
+              <a:t>김나연</a:t>
+            </a:r>
+          </a:p>
+          <a:p>
+            <a:pPr latinLnBrk="1"/>
+            <a:r>
+              <a:rPr lang="en-US" altLang="ko-KR" sz="2800" dirty="0"/>
+              <a:t>201410257 </a:t>
+            </a:r>
+            <a:r>
+              <a:rPr lang="ko-KR" altLang="ko-KR" sz="2800" dirty="0"/>
+              <a:t>김동현</a:t>
+            </a:r>
+          </a:p>
+          <a:p>
+            <a:pPr latinLnBrk="1"/>
+            <a:r>
+              <a:rPr lang="en-US" altLang="ko-KR" dirty="0"/>
+              <a:t> </a:t>
+            </a:r>
+            <a:endParaRPr lang="ko-KR" altLang="ko-KR" dirty="0"/>
+          </a:p>
+          <a:p>
             <a:endParaRPr lang="ko-KR" altLang="en-US" sz="2000" dirty="0"/>
           </a:p>
         </p:txBody>
@@ -3051,10 +3180,9 @@
           <a:lstStyle/>
           <a:p>
             <a:r>
-              <a:rPr lang="ko-KR" altLang="en-US" dirty="0" smtClean="0"/>
+              <a:rPr lang="ko-KR" altLang="en-US" dirty="0"/>
               <a:t>변경 이력</a:t>
             </a:r>
-            <a:endParaRPr lang="ko-KR" altLang="en-US" dirty="0"/>
           </a:p>
         </p:txBody>
       </p:sp>
@@ -3075,8 +3203,8 @@
           <a:p>
             <a:pPr algn="r"/>
             <a:r>
-              <a:rPr lang="ko-KR" altLang="en-US" dirty="0" smtClean="0"/>
-              <a:t>팀 명</a:t>
+              <a:rPr lang="en-US" altLang="ko-KR" dirty="0" err="1"/>
+              <a:t>Bigbang</a:t>
             </a:r>
             <a:endParaRPr lang="en-US" altLang="ko-KR" dirty="0"/>
           </a:p>
@@ -3092,7 +3220,7 @@
             <p:ph idx="1"/>
             <p:extLst>
               <p:ext uri="{D42A27DB-BD31-4B8C-83A1-F6EECF244321}">
-                <p14:modId xmlns:p14="http://schemas.microsoft.com/office/powerpoint/2010/main" val="3721839066"/>
+                <p14:modId xmlns:p14="http://schemas.microsoft.com/office/powerpoint/2010/main" val="2156683020"/>
               </p:ext>
             </p:extLst>
           </p:nvPr>
@@ -3108,10 +3236,34 @@
                 <a:tableStyleId>{5940675A-B579-460E-94D1-54222C63F5DA}</a:tableStyleId>
               </a:tblPr>
               <a:tblGrid>
-                <a:gridCol w="2145506"/>
-                <a:gridCol w="2145506"/>
-                <a:gridCol w="2145506"/>
-                <a:gridCol w="2145506"/>
+                <a:gridCol w="2145506">
+                  <a:extLst>
+                    <a:ext uri="{9D8B030D-6E8A-4147-A177-3AD203B41FA5}">
+                      <a16:colId xmlns:a16="http://schemas.microsoft.com/office/drawing/2014/main" val="20000"/>
+                    </a:ext>
+                  </a:extLst>
+                </a:gridCol>
+                <a:gridCol w="2145506">
+                  <a:extLst>
+                    <a:ext uri="{9D8B030D-6E8A-4147-A177-3AD203B41FA5}">
+                      <a16:colId xmlns:a16="http://schemas.microsoft.com/office/drawing/2014/main" val="20001"/>
+                    </a:ext>
+                  </a:extLst>
+                </a:gridCol>
+                <a:gridCol w="2145506">
+                  <a:extLst>
+                    <a:ext uri="{9D8B030D-6E8A-4147-A177-3AD203B41FA5}">
+                      <a16:colId xmlns:a16="http://schemas.microsoft.com/office/drawing/2014/main" val="20002"/>
+                    </a:ext>
+                  </a:extLst>
+                </a:gridCol>
+                <a:gridCol w="2145506">
+                  <a:extLst>
+                    <a:ext uri="{9D8B030D-6E8A-4147-A177-3AD203B41FA5}">
+                      <a16:colId xmlns:a16="http://schemas.microsoft.com/office/drawing/2014/main" val="20003"/>
+                    </a:ext>
+                  </a:extLst>
+                </a:gridCol>
               </a:tblGrid>
               <a:tr h="370840">
                 <a:tc>
@@ -3121,7 +3273,7 @@
                     <a:p>
                       <a:pPr algn="ctr" latinLnBrk="1"/>
                       <a:r>
-                        <a:rPr lang="ko-KR" altLang="en-US" sz="1200" b="1" dirty="0" smtClean="0">
+                        <a:rPr lang="ko-KR" altLang="en-US" sz="1200" b="1" dirty="0">
                           <a:latin typeface="맑은 고딕" pitchFamily="50" charset="-127"/>
                           <a:ea typeface="맑은 고딕" pitchFamily="50" charset="-127"/>
                         </a:rPr>
@@ -3151,7 +3303,7 @@
                     <a:p>
                       <a:pPr algn="ctr" latinLnBrk="1"/>
                       <a:r>
-                        <a:rPr lang="ko-KR" altLang="en-US" sz="1200" b="1" dirty="0" smtClean="0">
+                        <a:rPr lang="ko-KR" altLang="en-US" sz="1200" b="1" dirty="0">
                           <a:latin typeface="맑은 고딕" pitchFamily="50" charset="-127"/>
                           <a:ea typeface="맑은 고딕" pitchFamily="50" charset="-127"/>
                         </a:rPr>
@@ -3181,7 +3333,7 @@
                     <a:p>
                       <a:pPr algn="ctr" latinLnBrk="1"/>
                       <a:r>
-                        <a:rPr lang="ko-KR" altLang="en-US" sz="1200" b="1" dirty="0" smtClean="0">
+                        <a:rPr lang="ko-KR" altLang="en-US" sz="1200" b="1" dirty="0">
                           <a:latin typeface="맑은 고딕" pitchFamily="50" charset="-127"/>
                           <a:ea typeface="맑은 고딕" pitchFamily="50" charset="-127"/>
                         </a:rPr>
@@ -3211,7 +3363,7 @@
                     <a:p>
                       <a:pPr algn="ctr" latinLnBrk="1"/>
                       <a:r>
-                        <a:rPr lang="ko-KR" altLang="en-US" sz="1200" b="1" dirty="0" smtClean="0">
+                        <a:rPr lang="ko-KR" altLang="en-US" sz="1200" b="1" dirty="0">
                           <a:latin typeface="맑은 고딕" pitchFamily="50" charset="-127"/>
                           <a:ea typeface="맑은 고딕" pitchFamily="50" charset="-127"/>
                         </a:rPr>
@@ -3234,6 +3386,11 @@
                     </a:solidFill>
                   </a:tcPr>
                 </a:tc>
+                <a:extLst>
+                  <a:ext uri="{0D108BD9-81ED-4DB2-BD59-A6C34878D82A}">
+                    <a16:rowId xmlns:a16="http://schemas.microsoft.com/office/drawing/2014/main" val="10000"/>
+                  </a:ext>
+                </a:extLst>
               </a:tr>
               <a:tr h="370840">
                 <a:tc>
@@ -3241,7 +3398,33 @@
                     <a:bodyPr/>
                     <a:lstStyle/>
                     <a:p>
-                      <a:pPr algn="ctr" latinLnBrk="1"/>
+                      <a:pPr marL="0" marR="0" lvl="0" indent="0" algn="ctr" defTabSz="914400" rtl="0" eaLnBrk="1" fontAlgn="auto" latinLnBrk="1" hangingPunct="1">
+                        <a:lnSpc>
+                          <a:spcPct val="100000"/>
+                        </a:lnSpc>
+                        <a:spcBef>
+                          <a:spcPts val="0"/>
+                        </a:spcBef>
+                        <a:spcAft>
+                          <a:spcPts val="0"/>
+                        </a:spcAft>
+                        <a:buClrTx/>
+                        <a:buSzTx/>
+                        <a:buFontTx/>
+                        <a:buNone/>
+                        <a:tabLst/>
+                        <a:defRPr/>
+                      </a:pPr>
+                      <a:r>
+                        <a:rPr lang="en-US" altLang="ko-KR" sz="1200" b="0" dirty="0">
+                          <a:solidFill>
+                            <a:schemeClr val="tx1"/>
+                          </a:solidFill>
+                          <a:latin typeface="맑은 고딕" pitchFamily="50" charset="-127"/>
+                          <a:ea typeface="맑은 고딕" pitchFamily="50" charset="-127"/>
+                        </a:rPr>
+                        <a:t>2017 / 05 / 26</a:t>
+                      </a:r>
                       <a:endParaRPr lang="ko-KR" altLang="en-US" sz="1200" b="0" dirty="0">
                         <a:solidFill>
                           <a:schemeClr val="tx1"/>
@@ -3262,7 +3445,33 @@
                     <a:bodyPr/>
                     <a:lstStyle/>
                     <a:p>
-                      <a:pPr algn="ctr" latinLnBrk="1"/>
+                      <a:pPr marL="0" marR="0" lvl="0" indent="0" algn="ctr" defTabSz="914400" rtl="0" eaLnBrk="1" fontAlgn="auto" latinLnBrk="1" hangingPunct="1">
+                        <a:lnSpc>
+                          <a:spcPct val="100000"/>
+                        </a:lnSpc>
+                        <a:spcBef>
+                          <a:spcPts val="0"/>
+                        </a:spcBef>
+                        <a:spcAft>
+                          <a:spcPts val="0"/>
+                        </a:spcAft>
+                        <a:buClrTx/>
+                        <a:buSzTx/>
+                        <a:buFontTx/>
+                        <a:buNone/>
+                        <a:tabLst/>
+                        <a:defRPr/>
+                      </a:pPr>
+                      <a:r>
+                        <a:rPr lang="en-US" altLang="ko-KR" sz="1200" b="0" dirty="0">
+                          <a:solidFill>
+                            <a:schemeClr val="tx1"/>
+                          </a:solidFill>
+                          <a:latin typeface="맑은 고딕" pitchFamily="50" charset="-127"/>
+                          <a:ea typeface="맑은 고딕" pitchFamily="50" charset="-127"/>
+                        </a:rPr>
+                        <a:t>V1.0</a:t>
+                      </a:r>
                       <a:endParaRPr lang="ko-KR" altLang="en-US" sz="1200" b="0" dirty="0">
                         <a:solidFill>
                           <a:schemeClr val="tx1"/>
@@ -3283,14 +3492,43 @@
                     <a:bodyPr/>
                     <a:lstStyle/>
                     <a:p>
-                      <a:pPr latinLnBrk="1"/>
-                      <a:endParaRPr lang="ko-KR" altLang="en-US" sz="1200" b="0" dirty="0">
-                        <a:solidFill>
-                          <a:schemeClr val="tx1"/>
-                        </a:solidFill>
-                        <a:latin typeface="맑은 고딕" pitchFamily="50" charset="-127"/>
-                        <a:ea typeface="맑은 고딕" pitchFamily="50" charset="-127"/>
-                      </a:endParaRPr>
+                      <a:pPr marL="0" marR="0" lvl="0" indent="0" algn="ctr" defTabSz="914400" rtl="0" eaLnBrk="1" fontAlgn="auto" latinLnBrk="1" hangingPunct="1">
+                        <a:lnSpc>
+                          <a:spcPct val="100000"/>
+                        </a:lnSpc>
+                        <a:spcBef>
+                          <a:spcPts val="0"/>
+                        </a:spcBef>
+                        <a:spcAft>
+                          <a:spcPts val="0"/>
+                        </a:spcAft>
+                        <a:buClrTx/>
+                        <a:buSzTx/>
+                        <a:buFontTx/>
+                        <a:buNone/>
+                        <a:tabLst/>
+                        <a:defRPr/>
+                      </a:pPr>
+                      <a:r>
+                        <a:rPr lang="en-US" altLang="ko-KR" sz="1200" b="0" dirty="0">
+                          <a:solidFill>
+                            <a:schemeClr val="tx1"/>
+                          </a:solidFill>
+                          <a:latin typeface="맑은 고딕" pitchFamily="50" charset="-127"/>
+                          <a:ea typeface="맑은 고딕" pitchFamily="50" charset="-127"/>
+                        </a:rPr>
+                        <a:t>Class Diagram </a:t>
+                      </a:r>
+                      <a:r>
+                        <a:rPr lang="ko-KR" altLang="en-US" sz="1200" b="0" dirty="0">
+                          <a:solidFill>
+                            <a:schemeClr val="tx1"/>
+                          </a:solidFill>
+                          <a:latin typeface="맑은 고딕" pitchFamily="50" charset="-127"/>
+                          <a:ea typeface="맑은 고딕" pitchFamily="50" charset="-127"/>
+                        </a:rPr>
+                        <a:t>추가</a:t>
+                      </a:r>
                     </a:p>
                   </a:txBody>
                   <a:tcPr anchor="ctr">
@@ -3305,13 +3543,16 @@
                     <a:lstStyle/>
                     <a:p>
                       <a:pPr algn="ctr" latinLnBrk="1"/>
-                      <a:endParaRPr lang="ko-KR" altLang="en-US" sz="1200" b="0" dirty="0">
-                        <a:solidFill>
-                          <a:schemeClr val="tx1"/>
-                        </a:solidFill>
-                        <a:latin typeface="맑은 고딕" pitchFamily="50" charset="-127"/>
-                        <a:ea typeface="맑은 고딕" pitchFamily="50" charset="-127"/>
-                      </a:endParaRPr>
+                      <a:r>
+                        <a:rPr lang="ko-KR" altLang="en-US" sz="1200" b="0" dirty="0">
+                          <a:solidFill>
+                            <a:schemeClr val="tx1"/>
+                          </a:solidFill>
+                          <a:latin typeface="맑은 고딕" pitchFamily="50" charset="-127"/>
+                          <a:ea typeface="맑은 고딕" pitchFamily="50" charset="-127"/>
+                        </a:rPr>
+                        <a:t>김나연</a:t>
+                      </a:r>
                     </a:p>
                   </a:txBody>
                   <a:tcPr anchor="ctr">
@@ -3320,6 +3561,11 @@
                     </a:solidFill>
                   </a:tcPr>
                 </a:tc>
+                <a:extLst>
+                  <a:ext uri="{0D108BD9-81ED-4DB2-BD59-A6C34878D82A}">
+                    <a16:rowId xmlns:a16="http://schemas.microsoft.com/office/drawing/2014/main" val="10001"/>
+                  </a:ext>
+                </a:extLst>
               </a:tr>
               <a:tr h="370840">
                 <a:tc>
@@ -3406,6 +3652,11 @@
                     </a:solidFill>
                   </a:tcPr>
                 </a:tc>
+                <a:extLst>
+                  <a:ext uri="{0D108BD9-81ED-4DB2-BD59-A6C34878D82A}">
+                    <a16:rowId xmlns:a16="http://schemas.microsoft.com/office/drawing/2014/main" val="10002"/>
+                  </a:ext>
+                </a:extLst>
               </a:tr>
               <a:tr h="370840">
                 <a:tc>
@@ -3492,6 +3743,11 @@
                     </a:solidFill>
                   </a:tcPr>
                 </a:tc>
+                <a:extLst>
+                  <a:ext uri="{0D108BD9-81ED-4DB2-BD59-A6C34878D82A}">
+                    <a16:rowId xmlns:a16="http://schemas.microsoft.com/office/drawing/2014/main" val="10003"/>
+                  </a:ext>
+                </a:extLst>
               </a:tr>
               <a:tr h="370840">
                 <a:tc>
@@ -3578,6 +3834,11 @@
                     </a:solidFill>
                   </a:tcPr>
                 </a:tc>
+                <a:extLst>
+                  <a:ext uri="{0D108BD9-81ED-4DB2-BD59-A6C34878D82A}">
+                    <a16:rowId xmlns:a16="http://schemas.microsoft.com/office/drawing/2014/main" val="10004"/>
+                  </a:ext>
+                </a:extLst>
               </a:tr>
               <a:tr h="370840">
                 <a:tc>
@@ -3664,6 +3925,11 @@
                     </a:solidFill>
                   </a:tcPr>
                 </a:tc>
+                <a:extLst>
+                  <a:ext uri="{0D108BD9-81ED-4DB2-BD59-A6C34878D82A}">
+                    <a16:rowId xmlns:a16="http://schemas.microsoft.com/office/drawing/2014/main" val="10005"/>
+                  </a:ext>
+                </a:extLst>
               </a:tr>
               <a:tr h="370840">
                 <a:tc>
@@ -3750,6 +4016,11 @@
                     </a:solidFill>
                   </a:tcPr>
                 </a:tc>
+                <a:extLst>
+                  <a:ext uri="{0D108BD9-81ED-4DB2-BD59-A6C34878D82A}">
+                    <a16:rowId xmlns:a16="http://schemas.microsoft.com/office/drawing/2014/main" val="10006"/>
+                  </a:ext>
+                </a:extLst>
               </a:tr>
               <a:tr h="370840">
                 <a:tc>
@@ -3836,6 +4107,11 @@
                     </a:solidFill>
                   </a:tcPr>
                 </a:tc>
+                <a:extLst>
+                  <a:ext uri="{0D108BD9-81ED-4DB2-BD59-A6C34878D82A}">
+                    <a16:rowId xmlns:a16="http://schemas.microsoft.com/office/drawing/2014/main" val="10007"/>
+                  </a:ext>
+                </a:extLst>
               </a:tr>
             </a:tbl>
           </a:graphicData>
@@ -3883,23 +4159,118 @@
           <a:p>
             <a:pPr algn="r"/>
             <a:r>
-              <a:rPr lang="ko-KR" altLang="en-US" dirty="0" smtClean="0"/>
-              <a:t>팀 명</a:t>
+              <a:rPr lang="en-US" altLang="ko-KR" dirty="0" err="1"/>
+              <a:t>Bigbang</a:t>
             </a:r>
             <a:endParaRPr lang="en-US" altLang="ko-KR" dirty="0"/>
           </a:p>
         </p:txBody>
       </p:sp>
+      <p:pic>
+        <p:nvPicPr>
+          <p:cNvPr id="3" name="그림 2"/>
+          <p:cNvPicPr>
+            <a:picLocks noChangeAspect="1"/>
+          </p:cNvPicPr>
+          <p:nvPr/>
+        </p:nvPicPr>
+        <p:blipFill>
+          <a:blip r:embed="rId2"/>
+          <a:stretch>
+            <a:fillRect/>
+          </a:stretch>
+        </p:blipFill>
+        <p:spPr>
+          <a:xfrm>
+            <a:off x="142240" y="884634"/>
+            <a:ext cx="8860508" cy="4984036"/>
+          </a:xfrm>
+          <a:prstGeom prst="rect">
+            <a:avLst/>
+          </a:prstGeom>
+        </p:spPr>
+      </p:pic>
       <p:sp>
         <p:nvSpPr>
-          <p:cNvPr id="24" name="TextBox 23"/>
+          <p:cNvPr id="4" name="직사각형 3"/>
+          <p:cNvSpPr/>
+          <p:nvPr/>
+        </p:nvSpPr>
+        <p:spPr bwMode="auto">
+          <a:xfrm>
+            <a:off x="7081520" y="449659"/>
+            <a:ext cx="355600" cy="203200"/>
+          </a:xfrm>
+          <a:prstGeom prst="rect">
+            <a:avLst/>
+          </a:prstGeom>
+          <a:ln>
+            <a:headEnd type="none" w="med" len="med"/>
+            <a:tailEnd type="none" w="med" len="med"/>
+          </a:ln>
+        </p:spPr>
+        <p:style>
+          <a:lnRef idx="2">
+            <a:schemeClr val="accent3"/>
+          </a:lnRef>
+          <a:fillRef idx="1">
+            <a:schemeClr val="lt1"/>
+          </a:fillRef>
+          <a:effectRef idx="0">
+            <a:schemeClr val="accent3"/>
+          </a:effectRef>
+          <a:fontRef idx="minor">
+            <a:schemeClr val="dk1"/>
+          </a:fontRef>
+        </p:style>
+        <p:txBody>
+          <a:bodyPr vert="horz" wrap="none" lIns="90000" tIns="46800" rIns="90000" bIns="46800" numCol="1" rtlCol="0" anchor="ctr" anchorCtr="0" compatLnSpc="1">
+            <a:prstTxWarp prst="textNoShape">
+              <a:avLst/>
+            </a:prstTxWarp>
+          </a:bodyPr>
+          <a:lstStyle/>
+          <a:p>
+            <a:pPr marL="0" marR="0" indent="0" algn="l" defTabSz="914400" rtl="0" eaLnBrk="0" fontAlgn="base" latinLnBrk="0" hangingPunct="0">
+              <a:lnSpc>
+                <a:spcPct val="100000"/>
+              </a:lnSpc>
+              <a:spcBef>
+                <a:spcPct val="0"/>
+              </a:spcBef>
+              <a:spcAft>
+                <a:spcPct val="0"/>
+              </a:spcAft>
+              <a:buClrTx/>
+              <a:buSzTx/>
+              <a:buFontTx/>
+              <a:buNone/>
+              <a:tabLst/>
+            </a:pPr>
+            <a:endParaRPr kumimoji="0" lang="ko-KR" altLang="en-US" sz="1400" b="0" i="0" u="none" strike="noStrike" cap="none" normalizeH="0" baseline="0" dirty="0">
+              <a:ln>
+                <a:noFill/>
+              </a:ln>
+              <a:solidFill>
+                <a:schemeClr val="bg1"/>
+              </a:solidFill>
+              <a:effectLst/>
+              <a:latin typeface="Arial" charset="0"/>
+              <a:ea typeface="HY울릉도M" pitchFamily="18" charset="-127"/>
+            </a:endParaRPr>
+          </a:p>
+        </p:txBody>
+      </p:sp>
+      <p:sp>
+        <p:nvSpPr>
+          <p:cNvPr id="5" name="TextBox 4"/>
           <p:cNvSpPr txBox="1"/>
           <p:nvPr/>
         </p:nvSpPr>
         <p:spPr>
           <a:xfrm>
-            <a:off x="914400" y="931659"/>
-            <a:ext cx="752129" cy="307777"/>
+            <a:off x="1554480" y="264160"/>
+            <a:ext cx="2479040" cy="307777"/>
           </a:xfrm>
           <a:prstGeom prst="rect">
             <a:avLst/>
@@ -3907,61 +4278,530 @@
           <a:noFill/>
         </p:spPr>
         <p:txBody>
-          <a:bodyPr wrap="none" rtlCol="0">
+          <a:bodyPr wrap="square" rtlCol="0">
             <a:spAutoFit/>
           </a:bodyPr>
           <a:lstStyle/>
           <a:p>
             <a:r>
-              <a:rPr lang="en-US" altLang="ko-KR" dirty="0" smtClean="0"/>
-              <a:t>&lt;</a:t>
+              <a:rPr lang="ko-KR" altLang="en-US" dirty="0"/>
+              <a:t>과목별 일정관리프로그램</a:t>
             </a:r>
+          </a:p>
+        </p:txBody>
+      </p:sp>
+      <p:sp>
+        <p:nvSpPr>
+          <p:cNvPr id="6" name="TextBox 5"/>
+          <p:cNvSpPr txBox="1"/>
+          <p:nvPr/>
+        </p:nvSpPr>
+        <p:spPr>
+          <a:xfrm>
+            <a:off x="6908800" y="409377"/>
+            <a:ext cx="548640" cy="307777"/>
+          </a:xfrm>
+          <a:prstGeom prst="rect">
+            <a:avLst/>
+          </a:prstGeom>
+          <a:noFill/>
+        </p:spPr>
+        <p:txBody>
+          <a:bodyPr wrap="square" rtlCol="0">
+            <a:spAutoFit/>
+          </a:bodyPr>
+          <a:lstStyle/>
+          <a:p>
             <a:r>
-              <a:rPr lang="ko-KR" altLang="en-US" dirty="0" smtClean="0"/>
-              <a:t>예시</a:t>
-            </a:r>
-            <a:r>
-              <a:rPr lang="en-US" altLang="ko-KR" dirty="0" smtClean="0"/>
-              <a:t>&gt;</a:t>
+              <a:rPr lang="en-US" altLang="ko-KR" dirty="0"/>
+              <a:t>V1.0</a:t>
             </a:r>
             <a:endParaRPr lang="ko-KR" altLang="en-US" dirty="0"/>
           </a:p>
         </p:txBody>
       </p:sp>
-      <p:pic>
-        <p:nvPicPr>
-          <p:cNvPr id="25" name="Picture 3"/>
-          <p:cNvPicPr>
-            <a:picLocks noChangeAspect="1" noChangeArrowheads="1"/>
-          </p:cNvPicPr>
+      <p:sp>
+        <p:nvSpPr>
+          <p:cNvPr id="7" name="TextBox 6"/>
+          <p:cNvSpPr txBox="1"/>
           <p:nvPr/>
-        </p:nvPicPr>
-        <p:blipFill>
-          <a:blip r:embed="rId2" cstate="print"/>
-          <a:srcRect/>
-          <a:stretch>
-            <a:fillRect/>
-          </a:stretch>
-        </p:blipFill>
-        <p:spPr bwMode="auto">
+        </p:nvSpPr>
+        <p:spPr>
           <a:xfrm>
-            <a:off x="1146106" y="1806652"/>
-            <a:ext cx="7058326" cy="1290231"/>
+            <a:off x="508988" y="5867579"/>
+            <a:ext cx="8351520" cy="523220"/>
           </a:xfrm>
           <a:prstGeom prst="rect">
             <a:avLst/>
           </a:prstGeom>
           <a:noFill/>
-          <a:ln w="9525">
-            <a:noFill/>
-            <a:miter lim="800000"/>
-            <a:headEnd/>
-            <a:tailEnd/>
-          </a:ln>
-          <a:effectLst/>
+        </p:spPr>
+        <p:txBody>
+          <a:bodyPr wrap="square" rtlCol="0">
+            <a:spAutoFit/>
+          </a:bodyPr>
+          <a:lstStyle/>
+          <a:p>
+            <a:r>
+              <a:rPr lang="ko-KR" altLang="en-US" dirty="0"/>
+              <a:t>클래스가 너무 많아서 </a:t>
+            </a:r>
+            <a:r>
+              <a:rPr lang="en-US" altLang="ko-KR" dirty="0" err="1"/>
+              <a:t>SubMainForm</a:t>
+            </a:r>
+            <a:r>
+              <a:rPr lang="ko-KR" altLang="en-US" dirty="0"/>
+              <a:t>과 </a:t>
+            </a:r>
+            <a:r>
+              <a:rPr lang="en-US" altLang="ko-KR" dirty="0" err="1"/>
+              <a:t>ToDoMainForm</a:t>
+            </a:r>
+            <a:r>
+              <a:rPr lang="ko-KR" altLang="en-US" dirty="0"/>
+              <a:t>을 따로 분리시켜 작성하였습니다</a:t>
+            </a:r>
+            <a:r>
+              <a:rPr lang="en-US" altLang="ko-KR" dirty="0"/>
+              <a:t>.</a:t>
+            </a:r>
+          </a:p>
+          <a:p>
+            <a:r>
+              <a:rPr lang="ko-KR" altLang="en-US" dirty="0"/>
+              <a:t>그래서 먼저 전체적인 틀을 제시하였습니다</a:t>
+            </a:r>
+            <a:r>
+              <a:rPr lang="en-US" altLang="ko-KR" dirty="0"/>
+              <a:t>. </a:t>
+            </a:r>
+            <a:endParaRPr lang="ko-KR" altLang="en-US" dirty="0"/>
+          </a:p>
+        </p:txBody>
+      </p:sp>
+    </p:spTree>
+    <p:extLst>
+      <p:ext uri="{BB962C8B-B14F-4D97-AF65-F5344CB8AC3E}">
+        <p14:creationId xmlns:p14="http://schemas.microsoft.com/office/powerpoint/2010/main" val="1437191161"/>
+      </p:ext>
+    </p:extLst>
+  </p:cSld>
+  <p:clrMapOvr>
+    <a:masterClrMapping/>
+  </p:clrMapOvr>
+</p:sld>
+</file>
+
+<file path=ppt/slides/slide4.xml><?xml version="1.0" encoding="utf-8"?>
+<p:sld xmlns:a="http://schemas.openxmlformats.org/drawingml/2006/main" xmlns:r="http://schemas.openxmlformats.org/officeDocument/2006/relationships" xmlns:p="http://schemas.openxmlformats.org/presentationml/2006/main">
+  <p:cSld>
+    <p:spTree>
+      <p:nvGrpSpPr>
+        <p:cNvPr id="1" name=""/>
+        <p:cNvGrpSpPr/>
+        <p:nvPr/>
+      </p:nvGrpSpPr>
+      <p:grpSpPr>
+        <a:xfrm>
+          <a:off x="0" y="0"/>
+          <a:ext cx="0" cy="0"/>
+          <a:chOff x="0" y="0"/>
+          <a:chExt cx="0" cy="0"/>
+        </a:xfrm>
+      </p:grpSpPr>
+      <p:sp>
+        <p:nvSpPr>
+          <p:cNvPr id="2" name="바닥글 개체 틀 1"/>
+          <p:cNvSpPr>
+            <a:spLocks noGrp="1"/>
+          </p:cNvSpPr>
+          <p:nvPr>
+            <p:ph type="ftr" sz="quarter" idx="3"/>
+          </p:nvPr>
+        </p:nvSpPr>
+        <p:spPr/>
+        <p:txBody>
+          <a:bodyPr/>
+          <a:lstStyle/>
+          <a:p>
+            <a:pPr algn="r"/>
+            <a:r>
+              <a:rPr lang="en-US" altLang="ko-KR" dirty="0" err="1"/>
+              <a:t>Bigbang</a:t>
+            </a:r>
+            <a:endParaRPr lang="en-US" altLang="ko-KR" dirty="0"/>
+          </a:p>
+        </p:txBody>
+      </p:sp>
+      <p:pic>
+        <p:nvPicPr>
+          <p:cNvPr id="5" name="그림 4"/>
+          <p:cNvPicPr>
+            <a:picLocks noChangeAspect="1"/>
+          </p:cNvPicPr>
+          <p:nvPr/>
+        </p:nvPicPr>
+        <p:blipFill>
+          <a:blip r:embed="rId2"/>
+          <a:stretch>
+            <a:fillRect/>
+          </a:stretch>
+        </p:blipFill>
+        <p:spPr>
+          <a:xfrm>
+            <a:off x="132080" y="1016714"/>
+            <a:ext cx="8860508" cy="4984036"/>
+          </a:xfrm>
+          <a:prstGeom prst="rect">
+            <a:avLst/>
+          </a:prstGeom>
         </p:spPr>
       </p:pic>
+      <p:sp>
+        <p:nvSpPr>
+          <p:cNvPr id="6" name="직사각형 5"/>
+          <p:cNvSpPr/>
+          <p:nvPr/>
+        </p:nvSpPr>
+        <p:spPr bwMode="auto">
+          <a:xfrm>
+            <a:off x="7101840" y="449659"/>
+            <a:ext cx="355600" cy="203200"/>
+          </a:xfrm>
+          <a:prstGeom prst="rect">
+            <a:avLst/>
+          </a:prstGeom>
+          <a:ln>
+            <a:headEnd type="none" w="med" len="med"/>
+            <a:tailEnd type="none" w="med" len="med"/>
+          </a:ln>
+        </p:spPr>
+        <p:style>
+          <a:lnRef idx="2">
+            <a:schemeClr val="accent3"/>
+          </a:lnRef>
+          <a:fillRef idx="1">
+            <a:schemeClr val="lt1"/>
+          </a:fillRef>
+          <a:effectRef idx="0">
+            <a:schemeClr val="accent3"/>
+          </a:effectRef>
+          <a:fontRef idx="minor">
+            <a:schemeClr val="dk1"/>
+          </a:fontRef>
+        </p:style>
+        <p:txBody>
+          <a:bodyPr vert="horz" wrap="none" lIns="90000" tIns="46800" rIns="90000" bIns="46800" numCol="1" rtlCol="0" anchor="ctr" anchorCtr="0" compatLnSpc="1">
+            <a:prstTxWarp prst="textNoShape">
+              <a:avLst/>
+            </a:prstTxWarp>
+          </a:bodyPr>
+          <a:lstStyle/>
+          <a:p>
+            <a:pPr marL="0" marR="0" indent="0" algn="l" defTabSz="914400" rtl="0" eaLnBrk="0" fontAlgn="base" latinLnBrk="0" hangingPunct="0">
+              <a:lnSpc>
+                <a:spcPct val="100000"/>
+              </a:lnSpc>
+              <a:spcBef>
+                <a:spcPct val="0"/>
+              </a:spcBef>
+              <a:spcAft>
+                <a:spcPct val="0"/>
+              </a:spcAft>
+              <a:buClrTx/>
+              <a:buSzTx/>
+              <a:buFontTx/>
+              <a:buNone/>
+              <a:tabLst/>
+            </a:pPr>
+            <a:endParaRPr kumimoji="0" lang="ko-KR" altLang="en-US" sz="1400" b="0" i="0" u="none" strike="noStrike" cap="none" normalizeH="0" baseline="0" dirty="0">
+              <a:ln>
+                <a:noFill/>
+              </a:ln>
+              <a:solidFill>
+                <a:schemeClr val="bg1"/>
+              </a:solidFill>
+              <a:effectLst/>
+              <a:latin typeface="Arial" charset="0"/>
+              <a:ea typeface="HY울릉도M" pitchFamily="18" charset="-127"/>
+            </a:endParaRPr>
+          </a:p>
+        </p:txBody>
+      </p:sp>
+      <p:sp>
+        <p:nvSpPr>
+          <p:cNvPr id="7" name="TextBox 6"/>
+          <p:cNvSpPr txBox="1"/>
+          <p:nvPr/>
+        </p:nvSpPr>
+        <p:spPr>
+          <a:xfrm>
+            <a:off x="1554480" y="264160"/>
+            <a:ext cx="2479040" cy="307777"/>
+          </a:xfrm>
+          <a:prstGeom prst="rect">
+            <a:avLst/>
+          </a:prstGeom>
+          <a:noFill/>
+        </p:spPr>
+        <p:txBody>
+          <a:bodyPr wrap="square" rtlCol="0">
+            <a:spAutoFit/>
+          </a:bodyPr>
+          <a:lstStyle/>
+          <a:p>
+            <a:r>
+              <a:rPr lang="ko-KR" altLang="en-US" dirty="0"/>
+              <a:t>과목별 일정관리프로그램</a:t>
+            </a:r>
+          </a:p>
+        </p:txBody>
+      </p:sp>
+      <p:sp>
+        <p:nvSpPr>
+          <p:cNvPr id="8" name="TextBox 7"/>
+          <p:cNvSpPr txBox="1"/>
+          <p:nvPr/>
+        </p:nvSpPr>
+        <p:spPr>
+          <a:xfrm>
+            <a:off x="6908800" y="409377"/>
+            <a:ext cx="548640" cy="307777"/>
+          </a:xfrm>
+          <a:prstGeom prst="rect">
+            <a:avLst/>
+          </a:prstGeom>
+          <a:noFill/>
+        </p:spPr>
+        <p:txBody>
+          <a:bodyPr wrap="square" rtlCol="0">
+            <a:spAutoFit/>
+          </a:bodyPr>
+          <a:lstStyle/>
+          <a:p>
+            <a:r>
+              <a:rPr lang="en-US" altLang="ko-KR" dirty="0"/>
+              <a:t>V1.0</a:t>
+            </a:r>
+            <a:endParaRPr lang="ko-KR" altLang="en-US" dirty="0"/>
+          </a:p>
+        </p:txBody>
+      </p:sp>
     </p:spTree>
+    <p:extLst>
+      <p:ext uri="{BB962C8B-B14F-4D97-AF65-F5344CB8AC3E}">
+        <p14:creationId xmlns:p14="http://schemas.microsoft.com/office/powerpoint/2010/main" val="1353502631"/>
+      </p:ext>
+    </p:extLst>
+  </p:cSld>
+  <p:clrMapOvr>
+    <a:masterClrMapping/>
+  </p:clrMapOvr>
+</p:sld>
+</file>
+
+<file path=ppt/slides/slide5.xml><?xml version="1.0" encoding="utf-8"?>
+<p:sld xmlns:a="http://schemas.openxmlformats.org/drawingml/2006/main" xmlns:r="http://schemas.openxmlformats.org/officeDocument/2006/relationships" xmlns:p="http://schemas.openxmlformats.org/presentationml/2006/main">
+  <p:cSld>
+    <p:spTree>
+      <p:nvGrpSpPr>
+        <p:cNvPr id="1" name=""/>
+        <p:cNvGrpSpPr/>
+        <p:nvPr/>
+      </p:nvGrpSpPr>
+      <p:grpSpPr>
+        <a:xfrm>
+          <a:off x="0" y="0"/>
+          <a:ext cx="0" cy="0"/>
+          <a:chOff x="0" y="0"/>
+          <a:chExt cx="0" cy="0"/>
+        </a:xfrm>
+      </p:grpSpPr>
+      <p:sp>
+        <p:nvSpPr>
+          <p:cNvPr id="2" name="바닥글 개체 틀 1"/>
+          <p:cNvSpPr>
+            <a:spLocks noGrp="1"/>
+          </p:cNvSpPr>
+          <p:nvPr>
+            <p:ph type="ftr" sz="quarter" idx="3"/>
+          </p:nvPr>
+        </p:nvSpPr>
+        <p:spPr/>
+        <p:txBody>
+          <a:bodyPr/>
+          <a:lstStyle/>
+          <a:p>
+            <a:pPr algn="r"/>
+            <a:r>
+              <a:rPr lang="en-US" altLang="ko-KR" dirty="0" err="1"/>
+              <a:t>Bigbang</a:t>
+            </a:r>
+            <a:endParaRPr lang="en-US" altLang="ko-KR" dirty="0"/>
+          </a:p>
+        </p:txBody>
+      </p:sp>
+      <p:pic>
+        <p:nvPicPr>
+          <p:cNvPr id="3" name="그림 2"/>
+          <p:cNvPicPr>
+            <a:picLocks noChangeAspect="1"/>
+          </p:cNvPicPr>
+          <p:nvPr/>
+        </p:nvPicPr>
+        <p:blipFill>
+          <a:blip r:embed="rId2"/>
+          <a:stretch>
+            <a:fillRect/>
+          </a:stretch>
+        </p:blipFill>
+        <p:spPr>
+          <a:xfrm>
+            <a:off x="142241" y="1017270"/>
+            <a:ext cx="8859520" cy="4983480"/>
+          </a:xfrm>
+          <a:prstGeom prst="rect">
+            <a:avLst/>
+          </a:prstGeom>
+        </p:spPr>
+      </p:pic>
+      <p:sp>
+        <p:nvSpPr>
+          <p:cNvPr id="4" name="직사각형 3"/>
+          <p:cNvSpPr/>
+          <p:nvPr/>
+        </p:nvSpPr>
+        <p:spPr bwMode="auto">
+          <a:xfrm>
+            <a:off x="7101840" y="459819"/>
+            <a:ext cx="355600" cy="203200"/>
+          </a:xfrm>
+          <a:prstGeom prst="rect">
+            <a:avLst/>
+          </a:prstGeom>
+          <a:ln>
+            <a:headEnd type="none" w="med" len="med"/>
+            <a:tailEnd type="none" w="med" len="med"/>
+          </a:ln>
+        </p:spPr>
+        <p:style>
+          <a:lnRef idx="2">
+            <a:schemeClr val="accent3"/>
+          </a:lnRef>
+          <a:fillRef idx="1">
+            <a:schemeClr val="lt1"/>
+          </a:fillRef>
+          <a:effectRef idx="0">
+            <a:schemeClr val="accent3"/>
+          </a:effectRef>
+          <a:fontRef idx="minor">
+            <a:schemeClr val="dk1"/>
+          </a:fontRef>
+        </p:style>
+        <p:txBody>
+          <a:bodyPr vert="horz" wrap="none" lIns="90000" tIns="46800" rIns="90000" bIns="46800" numCol="1" rtlCol="0" anchor="ctr" anchorCtr="0" compatLnSpc="1">
+            <a:prstTxWarp prst="textNoShape">
+              <a:avLst/>
+            </a:prstTxWarp>
+          </a:bodyPr>
+          <a:lstStyle/>
+          <a:p>
+            <a:pPr marL="0" marR="0" indent="0" algn="l" defTabSz="914400" rtl="0" eaLnBrk="0" fontAlgn="base" latinLnBrk="0" hangingPunct="0">
+              <a:lnSpc>
+                <a:spcPct val="100000"/>
+              </a:lnSpc>
+              <a:spcBef>
+                <a:spcPct val="0"/>
+              </a:spcBef>
+              <a:spcAft>
+                <a:spcPct val="0"/>
+              </a:spcAft>
+              <a:buClrTx/>
+              <a:buSzTx/>
+              <a:buFontTx/>
+              <a:buNone/>
+              <a:tabLst/>
+            </a:pPr>
+            <a:endParaRPr kumimoji="0" lang="ko-KR" altLang="en-US" sz="1400" b="0" i="0" u="none" strike="noStrike" cap="none" normalizeH="0" baseline="0" dirty="0">
+              <a:ln>
+                <a:noFill/>
+              </a:ln>
+              <a:solidFill>
+                <a:schemeClr val="bg1"/>
+              </a:solidFill>
+              <a:effectLst/>
+              <a:latin typeface="Arial" charset="0"/>
+              <a:ea typeface="HY울릉도M" pitchFamily="18" charset="-127"/>
+            </a:endParaRPr>
+          </a:p>
+        </p:txBody>
+      </p:sp>
+      <p:sp>
+        <p:nvSpPr>
+          <p:cNvPr id="5" name="TextBox 4"/>
+          <p:cNvSpPr txBox="1"/>
+          <p:nvPr/>
+        </p:nvSpPr>
+        <p:spPr>
+          <a:xfrm>
+            <a:off x="1554480" y="264160"/>
+            <a:ext cx="2479040" cy="307777"/>
+          </a:xfrm>
+          <a:prstGeom prst="rect">
+            <a:avLst/>
+          </a:prstGeom>
+          <a:noFill/>
+        </p:spPr>
+        <p:txBody>
+          <a:bodyPr wrap="square" rtlCol="0">
+            <a:spAutoFit/>
+          </a:bodyPr>
+          <a:lstStyle/>
+          <a:p>
+            <a:r>
+              <a:rPr lang="ko-KR" altLang="en-US" dirty="0"/>
+              <a:t>과목별 일정관리프로그램</a:t>
+            </a:r>
+          </a:p>
+        </p:txBody>
+      </p:sp>
+      <p:sp>
+        <p:nvSpPr>
+          <p:cNvPr id="6" name="TextBox 5"/>
+          <p:cNvSpPr txBox="1"/>
+          <p:nvPr/>
+        </p:nvSpPr>
+        <p:spPr>
+          <a:xfrm>
+            <a:off x="6908800" y="409377"/>
+            <a:ext cx="548640" cy="307777"/>
+          </a:xfrm>
+          <a:prstGeom prst="rect">
+            <a:avLst/>
+          </a:prstGeom>
+          <a:noFill/>
+        </p:spPr>
+        <p:txBody>
+          <a:bodyPr wrap="square" rtlCol="0">
+            <a:spAutoFit/>
+          </a:bodyPr>
+          <a:lstStyle/>
+          <a:p>
+            <a:r>
+              <a:rPr lang="en-US" altLang="ko-KR" dirty="0"/>
+              <a:t>V1.0</a:t>
+            </a:r>
+            <a:endParaRPr lang="ko-KR" altLang="en-US" dirty="0"/>
+          </a:p>
+        </p:txBody>
+      </p:sp>
+    </p:spTree>
+    <p:extLst>
+      <p:ext uri="{BB962C8B-B14F-4D97-AF65-F5344CB8AC3E}">
+        <p14:creationId xmlns:p14="http://schemas.microsoft.com/office/powerpoint/2010/main" val="4056575362"/>
+      </p:ext>
+    </p:extLst>
   </p:cSld>
   <p:clrMapOvr>
     <a:masterClrMapping/>

--- a/doc/3_ 설계서/Class Design.pptx
+++ b/doc/3_ 설계서/Class Design.pptx
@@ -3220,7 +3220,7 @@
             <p:ph idx="1"/>
             <p:extLst>
               <p:ext uri="{D42A27DB-BD31-4B8C-83A1-F6EECF244321}">
-                <p14:modId xmlns:p14="http://schemas.microsoft.com/office/powerpoint/2010/main" val="2156683020"/>
+                <p14:modId xmlns:p14="http://schemas.microsoft.com/office/powerpoint/2010/main" val="2343088688"/>
               </p:ext>
             </p:extLst>
           </p:nvPr>
@@ -3574,6 +3574,16 @@
                     <a:lstStyle/>
                     <a:p>
                       <a:pPr algn="ctr" latinLnBrk="1"/>
+                      <a:r>
+                        <a:rPr lang="en-US" altLang="ko-KR" sz="1200" b="0" dirty="0">
+                          <a:solidFill>
+                            <a:schemeClr val="tx1"/>
+                          </a:solidFill>
+                          <a:latin typeface="맑은 고딕" pitchFamily="50" charset="-127"/>
+                          <a:ea typeface="맑은 고딕" pitchFamily="50" charset="-127"/>
+                        </a:rPr>
+                        <a:t>2017 / 05 / 26</a:t>
+                      </a:r>
                       <a:endParaRPr lang="ko-KR" altLang="en-US" sz="1200" b="0" dirty="0">
                         <a:solidFill>
                           <a:schemeClr val="tx1"/>
@@ -3594,7 +3604,33 @@
                     <a:bodyPr/>
                     <a:lstStyle/>
                     <a:p>
-                      <a:pPr algn="ctr" latinLnBrk="1"/>
+                      <a:pPr marL="0" marR="0" lvl="0" indent="0" algn="ctr" defTabSz="914400" rtl="0" eaLnBrk="1" fontAlgn="auto" latinLnBrk="1" hangingPunct="1">
+                        <a:lnSpc>
+                          <a:spcPct val="100000"/>
+                        </a:lnSpc>
+                        <a:spcBef>
+                          <a:spcPts val="0"/>
+                        </a:spcBef>
+                        <a:spcAft>
+                          <a:spcPts val="0"/>
+                        </a:spcAft>
+                        <a:buClrTx/>
+                        <a:buSzTx/>
+                        <a:buFontTx/>
+                        <a:buNone/>
+                        <a:tabLst/>
+                        <a:defRPr/>
+                      </a:pPr>
+                      <a:r>
+                        <a:rPr lang="en-US" altLang="ko-KR" sz="1200" b="0" dirty="0">
+                          <a:solidFill>
+                            <a:schemeClr val="tx1"/>
+                          </a:solidFill>
+                          <a:latin typeface="맑은 고딕" pitchFamily="50" charset="-127"/>
+                          <a:ea typeface="맑은 고딕" pitchFamily="50" charset="-127"/>
+                        </a:rPr>
+                        <a:t>V1.1</a:t>
+                      </a:r>
                       <a:endParaRPr lang="ko-KR" altLang="en-US" sz="1200" b="0" dirty="0">
                         <a:solidFill>
                           <a:schemeClr val="tx1"/>
@@ -3615,14 +3651,43 @@
                     <a:bodyPr/>
                     <a:lstStyle/>
                     <a:p>
-                      <a:pPr latinLnBrk="1"/>
-                      <a:endParaRPr lang="ko-KR" altLang="en-US" sz="1200" b="0">
-                        <a:solidFill>
-                          <a:schemeClr val="tx1"/>
-                        </a:solidFill>
-                        <a:latin typeface="맑은 고딕" pitchFamily="50" charset="-127"/>
-                        <a:ea typeface="맑은 고딕" pitchFamily="50" charset="-127"/>
-                      </a:endParaRPr>
+                      <a:pPr marL="0" marR="0" lvl="0" indent="0" algn="ctr" defTabSz="914400" rtl="0" eaLnBrk="1" fontAlgn="auto" latinLnBrk="1" hangingPunct="1">
+                        <a:lnSpc>
+                          <a:spcPct val="100000"/>
+                        </a:lnSpc>
+                        <a:spcBef>
+                          <a:spcPts val="0"/>
+                        </a:spcBef>
+                        <a:spcAft>
+                          <a:spcPts val="0"/>
+                        </a:spcAft>
+                        <a:buClrTx/>
+                        <a:buSzTx/>
+                        <a:buFontTx/>
+                        <a:buNone/>
+                        <a:tabLst/>
+                        <a:defRPr/>
+                      </a:pPr>
+                      <a:r>
+                        <a:rPr lang="en-US" altLang="ko-KR" sz="1200" b="0" dirty="0">
+                          <a:solidFill>
+                            <a:schemeClr val="tx1"/>
+                          </a:solidFill>
+                          <a:latin typeface="맑은 고딕" pitchFamily="50" charset="-127"/>
+                          <a:ea typeface="맑은 고딕" pitchFamily="50" charset="-127"/>
+                        </a:rPr>
+                        <a:t>Class Diagram </a:t>
+                      </a:r>
+                      <a:r>
+                        <a:rPr lang="ko-KR" altLang="en-US" sz="1200" b="0" dirty="0">
+                          <a:solidFill>
+                            <a:schemeClr val="tx1"/>
+                          </a:solidFill>
+                          <a:latin typeface="맑은 고딕" pitchFamily="50" charset="-127"/>
+                          <a:ea typeface="맑은 고딕" pitchFamily="50" charset="-127"/>
+                        </a:rPr>
+                        <a:t>수정</a:t>
+                      </a:r>
                     </a:p>
                   </a:txBody>
                   <a:tcPr anchor="ctr">
@@ -3637,13 +3702,16 @@
                     <a:lstStyle/>
                     <a:p>
                       <a:pPr algn="ctr" latinLnBrk="1"/>
-                      <a:endParaRPr lang="ko-KR" altLang="en-US" sz="1200" b="0" dirty="0">
-                        <a:solidFill>
-                          <a:schemeClr val="tx1"/>
-                        </a:solidFill>
-                        <a:latin typeface="맑은 고딕" pitchFamily="50" charset="-127"/>
-                        <a:ea typeface="맑은 고딕" pitchFamily="50" charset="-127"/>
-                      </a:endParaRPr>
+                      <a:r>
+                        <a:rPr lang="ko-KR" altLang="en-US" sz="1200" b="0" dirty="0">
+                          <a:solidFill>
+                            <a:schemeClr val="tx1"/>
+                          </a:solidFill>
+                          <a:latin typeface="맑은 고딕" pitchFamily="50" charset="-127"/>
+                          <a:ea typeface="맑은 고딕" pitchFamily="50" charset="-127"/>
+                        </a:rPr>
+                        <a:t>김나연</a:t>
+                      </a:r>
                     </a:p>
                   </a:txBody>
                   <a:tcPr anchor="ctr">
@@ -4314,7 +4382,7 @@
           <a:p>
             <a:r>
               <a:rPr lang="en-US" altLang="ko-KR" dirty="0"/>
-              <a:t>V1.0</a:t>
+              <a:t>V1.1</a:t>
             </a:r>
             <a:endParaRPr lang="ko-KR" altLang="en-US" dirty="0"/>
           </a:p>
@@ -4434,30 +4502,6 @@
           </a:p>
         </p:txBody>
       </p:sp>
-      <p:pic>
-        <p:nvPicPr>
-          <p:cNvPr id="5" name="그림 4"/>
-          <p:cNvPicPr>
-            <a:picLocks noChangeAspect="1"/>
-          </p:cNvPicPr>
-          <p:nvPr/>
-        </p:nvPicPr>
-        <p:blipFill>
-          <a:blip r:embed="rId2"/>
-          <a:stretch>
-            <a:fillRect/>
-          </a:stretch>
-        </p:blipFill>
-        <p:spPr>
-          <a:xfrm>
-            <a:off x="132080" y="1016714"/>
-            <a:ext cx="8860508" cy="4984036"/>
-          </a:xfrm>
-          <a:prstGeom prst="rect">
-            <a:avLst/>
-          </a:prstGeom>
-        </p:spPr>
-      </p:pic>
       <p:sp>
         <p:nvSpPr>
           <p:cNvPr id="6" name="직사각형 5"/>
@@ -4582,12 +4626,36 @@
           <a:p>
             <a:r>
               <a:rPr lang="en-US" altLang="ko-KR" dirty="0"/>
-              <a:t>V1.0</a:t>
+              <a:t>V1.1</a:t>
             </a:r>
             <a:endParaRPr lang="ko-KR" altLang="en-US" dirty="0"/>
           </a:p>
         </p:txBody>
       </p:sp>
+      <p:pic>
+        <p:nvPicPr>
+          <p:cNvPr id="3" name="그림 2"/>
+          <p:cNvPicPr>
+            <a:picLocks noChangeAspect="1"/>
+          </p:cNvPicPr>
+          <p:nvPr/>
+        </p:nvPicPr>
+        <p:blipFill>
+          <a:blip r:embed="rId2"/>
+          <a:stretch>
+            <a:fillRect/>
+          </a:stretch>
+        </p:blipFill>
+        <p:spPr>
+          <a:xfrm>
+            <a:off x="182880" y="1033223"/>
+            <a:ext cx="8758908" cy="4926886"/>
+          </a:xfrm>
+          <a:prstGeom prst="rect">
+            <a:avLst/>
+          </a:prstGeom>
+        </p:spPr>
+      </p:pic>
     </p:spTree>
     <p:extLst>
       <p:ext uri="{BB962C8B-B14F-4D97-AF65-F5344CB8AC3E}">
@@ -4642,30 +4710,6 @@
           </a:p>
         </p:txBody>
       </p:sp>
-      <p:pic>
-        <p:nvPicPr>
-          <p:cNvPr id="3" name="그림 2"/>
-          <p:cNvPicPr>
-            <a:picLocks noChangeAspect="1"/>
-          </p:cNvPicPr>
-          <p:nvPr/>
-        </p:nvPicPr>
-        <p:blipFill>
-          <a:blip r:embed="rId2"/>
-          <a:stretch>
-            <a:fillRect/>
-          </a:stretch>
-        </p:blipFill>
-        <p:spPr>
-          <a:xfrm>
-            <a:off x="142241" y="1017270"/>
-            <a:ext cx="8859520" cy="4983480"/>
-          </a:xfrm>
-          <a:prstGeom prst="rect">
-            <a:avLst/>
-          </a:prstGeom>
-        </p:spPr>
-      </p:pic>
       <p:sp>
         <p:nvSpPr>
           <p:cNvPr id="4" name="직사각형 3"/>
@@ -4674,7 +4718,7 @@
         </p:nvSpPr>
         <p:spPr bwMode="auto">
           <a:xfrm>
-            <a:off x="7101840" y="459819"/>
+            <a:off x="7101840" y="449659"/>
             <a:ext cx="355600" cy="203200"/>
           </a:xfrm>
           <a:prstGeom prst="rect">
@@ -4774,7 +4818,7 @@
         </p:nvSpPr>
         <p:spPr>
           <a:xfrm>
-            <a:off x="6908800" y="409377"/>
+            <a:off x="6908800" y="419537"/>
             <a:ext cx="548640" cy="307777"/>
           </a:xfrm>
           <a:prstGeom prst="rect">
@@ -4790,12 +4834,36 @@
           <a:p>
             <a:r>
               <a:rPr lang="en-US" altLang="ko-KR" dirty="0"/>
-              <a:t>V1.0</a:t>
+              <a:t>V1.1</a:t>
             </a:r>
             <a:endParaRPr lang="ko-KR" altLang="en-US" dirty="0"/>
           </a:p>
         </p:txBody>
       </p:sp>
+      <p:pic>
+        <p:nvPicPr>
+          <p:cNvPr id="7" name="그림 6"/>
+          <p:cNvPicPr>
+            <a:picLocks noChangeAspect="1"/>
+          </p:cNvPicPr>
+          <p:nvPr/>
+        </p:nvPicPr>
+        <p:blipFill>
+          <a:blip r:embed="rId2"/>
+          <a:stretch>
+            <a:fillRect/>
+          </a:stretch>
+        </p:blipFill>
+        <p:spPr>
+          <a:xfrm>
+            <a:off x="152400" y="1029970"/>
+            <a:ext cx="8879840" cy="4994910"/>
+          </a:xfrm>
+          <a:prstGeom prst="rect">
+            <a:avLst/>
+          </a:prstGeom>
+        </p:spPr>
+      </p:pic>
     </p:spTree>
     <p:extLst>
       <p:ext uri="{BB962C8B-B14F-4D97-AF65-F5344CB8AC3E}">

--- a/doc/3_ 설계서/Class Design.pptx
+++ b/doc/3_ 설계서/Class Design.pptx
@@ -1068,6 +1068,10 @@
             </a:lvl1pPr>
           </a:lstStyle>
           <a:p>
+            <a:r>
+              <a:rPr lang="en-US" altLang="ko-KR" dirty="0"/>
+              <a:t/>
+            </a:r>
             <a:br>
               <a:rPr lang="en-US" altLang="ko-KR" dirty="0"/>
             </a:br>
@@ -1129,28 +1133,28 @@
                 <a:gridCol w="1022523">
                   <a:extLst>
                     <a:ext uri="{9D8B030D-6E8A-4147-A177-3AD203B41FA5}">
-                      <a16:colId xmlns:a16="http://schemas.microsoft.com/office/drawing/2014/main" val="20000"/>
+                      <a16:colId xmlns:a16="http://schemas.microsoft.com/office/drawing/2014/main" xmlns="" val="20000"/>
                     </a:ext>
                   </a:extLst>
                 </a:gridCol>
                 <a:gridCol w="3439486">
                   <a:extLst>
                     <a:ext uri="{9D8B030D-6E8A-4147-A177-3AD203B41FA5}">
-                      <a16:colId xmlns:a16="http://schemas.microsoft.com/office/drawing/2014/main" val="20001"/>
+                      <a16:colId xmlns:a16="http://schemas.microsoft.com/office/drawing/2014/main" xmlns="" val="20001"/>
                     </a:ext>
                   </a:extLst>
                 </a:gridCol>
                 <a:gridCol w="947956">
                   <a:extLst>
                     <a:ext uri="{9D8B030D-6E8A-4147-A177-3AD203B41FA5}">
-                      <a16:colId xmlns:a16="http://schemas.microsoft.com/office/drawing/2014/main" val="20002"/>
+                      <a16:colId xmlns:a16="http://schemas.microsoft.com/office/drawing/2014/main" xmlns="" val="20002"/>
                     </a:ext>
                   </a:extLst>
                 </a:gridCol>
                 <a:gridCol w="3523377">
                   <a:extLst>
                     <a:ext uri="{9D8B030D-6E8A-4147-A177-3AD203B41FA5}">
-                      <a16:colId xmlns:a16="http://schemas.microsoft.com/office/drawing/2014/main" val="20003"/>
+                      <a16:colId xmlns:a16="http://schemas.microsoft.com/office/drawing/2014/main" xmlns="" val="20003"/>
                     </a:ext>
                   </a:extLst>
                 </a:gridCol>
@@ -1538,7 +1542,7 @@
                 </a:tc>
                 <a:extLst>
                   <a:ext uri="{0D108BD9-81ED-4DB2-BD59-A6C34878D82A}">
-                    <a16:rowId xmlns:a16="http://schemas.microsoft.com/office/drawing/2014/main" val="10000"/>
+                    <a16:rowId xmlns:a16="http://schemas.microsoft.com/office/drawing/2014/main" xmlns="" val="10000"/>
                   </a:ext>
                 </a:extLst>
               </a:tr>
@@ -1897,7 +1901,7 @@
                 </a:tc>
                 <a:extLst>
                   <a:ext uri="{0D108BD9-81ED-4DB2-BD59-A6C34878D82A}">
-                    <a16:rowId xmlns:a16="http://schemas.microsoft.com/office/drawing/2014/main" val="10001"/>
+                    <a16:rowId xmlns:a16="http://schemas.microsoft.com/office/drawing/2014/main" xmlns="" val="10001"/>
                   </a:ext>
                 </a:extLst>
               </a:tr>
@@ -3031,6 +3035,10 @@
           <a:bodyPr/>
           <a:lstStyle/>
           <a:p>
+            <a:r>
+              <a:rPr lang="en-US" altLang="ko-KR" dirty="0"/>
+              <a:t/>
+            </a:r>
             <a:br>
               <a:rPr lang="en-US" altLang="ko-KR" dirty="0"/>
             </a:br>
@@ -3054,7 +3062,7 @@
         <p:spPr>
           <a:xfrm>
             <a:off x="5617845" y="3526458"/>
-            <a:ext cx="3164649" cy="2769989"/>
+            <a:ext cx="2834430" cy="2708434"/>
           </a:xfrm>
           <a:prstGeom prst="rect">
             <a:avLst/>
@@ -3069,60 +3077,72 @@
           <a:p>
             <a:pPr latinLnBrk="1"/>
             <a:r>
-              <a:rPr lang="en-US" altLang="ko-KR" sz="2800" dirty="0"/>
+              <a:rPr lang="en-US" altLang="ko-KR" sz="2800" b="1" dirty="0"/>
               <a:t>&lt;1</a:t>
             </a:r>
             <a:r>
-              <a:rPr lang="ko-KR" altLang="ko-KR" sz="2800" dirty="0"/>
+              <a:rPr lang="ko-KR" altLang="ko-KR" sz="2800" b="1" dirty="0"/>
               <a:t>조</a:t>
             </a:r>
             <a:r>
-              <a:rPr lang="en-US" altLang="ko-KR" sz="2800" dirty="0"/>
-              <a:t> Big Bang&gt;</a:t>
+              <a:rPr lang="en-US" altLang="ko-KR" sz="2800" b="1" dirty="0"/>
+              <a:t> Big Bang</a:t>
             </a:r>
-            <a:endParaRPr lang="ko-KR" altLang="ko-KR" sz="2800" dirty="0"/>
+            <a:r>
+              <a:rPr lang="en-US" altLang="ko-KR" sz="2800" b="1" dirty="0" smtClean="0"/>
+              <a:t>&gt;</a:t>
+            </a:r>
+          </a:p>
+          <a:p>
+            <a:pPr latinLnBrk="1"/>
+            <a:endParaRPr lang="ko-KR" altLang="ko-KR" sz="700" b="1" dirty="0"/>
           </a:p>
           <a:p>
             <a:pPr latinLnBrk="1"/>
             <a:r>
-              <a:rPr lang="en-US" altLang="ko-KR" sz="2800" dirty="0"/>
+              <a:rPr lang="en-US" altLang="ko-KR" sz="2400" dirty="0"/>
               <a:t>201511026 </a:t>
             </a:r>
             <a:r>
-              <a:rPr lang="ko-KR" altLang="ko-KR" sz="2800" dirty="0"/>
+              <a:rPr lang="ko-KR" altLang="ko-KR" sz="2400" dirty="0"/>
               <a:t>서현아</a:t>
             </a:r>
           </a:p>
           <a:p>
             <a:pPr latinLnBrk="1"/>
             <a:r>
-              <a:rPr lang="en-US" altLang="ko-KR" sz="2800" dirty="0"/>
+              <a:rPr lang="en-US" altLang="ko-KR" sz="2400" dirty="0"/>
               <a:t>201111235 </a:t>
             </a:r>
             <a:r>
-              <a:rPr lang="ko-KR" altLang="ko-KR" sz="2800" dirty="0"/>
+              <a:rPr lang="en-US" altLang="ko-KR" sz="2400" dirty="0" smtClean="0"/>
+              <a:t> </a:t>
+            </a:r>
+            <a:r>
+              <a:rPr lang="ko-KR" altLang="ko-KR" sz="2400" dirty="0" smtClean="0"/>
               <a:t>신동규</a:t>
             </a:r>
+            <a:endParaRPr lang="ko-KR" altLang="ko-KR" sz="2400" dirty="0"/>
           </a:p>
           <a:p>
             <a:pPr latinLnBrk="1"/>
             <a:r>
-              <a:rPr lang="en-US" altLang="ko-KR" sz="2800" dirty="0"/>
+              <a:rPr lang="en-US" altLang="ko-KR" sz="2400" dirty="0"/>
               <a:t>201510998 </a:t>
             </a:r>
             <a:r>
-              <a:rPr lang="ko-KR" altLang="ko-KR" sz="2800" dirty="0"/>
+              <a:rPr lang="ko-KR" altLang="ko-KR" sz="2400" dirty="0"/>
               <a:t>김나연</a:t>
             </a:r>
           </a:p>
           <a:p>
             <a:pPr latinLnBrk="1"/>
             <a:r>
-              <a:rPr lang="en-US" altLang="ko-KR" sz="2800" dirty="0"/>
+              <a:rPr lang="en-US" altLang="ko-KR" sz="2400" dirty="0"/>
               <a:t>201410257 </a:t>
             </a:r>
             <a:r>
-              <a:rPr lang="ko-KR" altLang="ko-KR" sz="2800" dirty="0"/>
+              <a:rPr lang="ko-KR" altLang="ko-KR" sz="2400" dirty="0"/>
               <a:t>김동현</a:t>
             </a:r>
           </a:p>
@@ -3220,7 +3240,7 @@
             <p:ph idx="1"/>
             <p:extLst>
               <p:ext uri="{D42A27DB-BD31-4B8C-83A1-F6EECF244321}">
-                <p14:modId xmlns:p14="http://schemas.microsoft.com/office/powerpoint/2010/main" val="2343088688"/>
+                <p14:modId xmlns:p14="http://schemas.microsoft.com/office/powerpoint/2010/main" val="854949899"/>
               </p:ext>
             </p:extLst>
           </p:nvPr>
@@ -3239,28 +3259,28 @@
                 <a:gridCol w="2145506">
                   <a:extLst>
                     <a:ext uri="{9D8B030D-6E8A-4147-A177-3AD203B41FA5}">
-                      <a16:colId xmlns:a16="http://schemas.microsoft.com/office/drawing/2014/main" val="20000"/>
+                      <a16:colId xmlns:a16="http://schemas.microsoft.com/office/drawing/2014/main" xmlns="" val="20000"/>
                     </a:ext>
                   </a:extLst>
                 </a:gridCol>
                 <a:gridCol w="2145506">
                   <a:extLst>
                     <a:ext uri="{9D8B030D-6E8A-4147-A177-3AD203B41FA5}">
-                      <a16:colId xmlns:a16="http://schemas.microsoft.com/office/drawing/2014/main" val="20001"/>
+                      <a16:colId xmlns:a16="http://schemas.microsoft.com/office/drawing/2014/main" xmlns="" val="20001"/>
                     </a:ext>
                   </a:extLst>
                 </a:gridCol>
                 <a:gridCol w="2145506">
                   <a:extLst>
                     <a:ext uri="{9D8B030D-6E8A-4147-A177-3AD203B41FA5}">
-                      <a16:colId xmlns:a16="http://schemas.microsoft.com/office/drawing/2014/main" val="20002"/>
+                      <a16:colId xmlns:a16="http://schemas.microsoft.com/office/drawing/2014/main" xmlns="" val="20002"/>
                     </a:ext>
                   </a:extLst>
                 </a:gridCol>
                 <a:gridCol w="2145506">
                   <a:extLst>
                     <a:ext uri="{9D8B030D-6E8A-4147-A177-3AD203B41FA5}">
-                      <a16:colId xmlns:a16="http://schemas.microsoft.com/office/drawing/2014/main" val="20003"/>
+                      <a16:colId xmlns:a16="http://schemas.microsoft.com/office/drawing/2014/main" xmlns="" val="20003"/>
                     </a:ext>
                   </a:extLst>
                 </a:gridCol>
@@ -3388,7 +3408,7 @@
                 </a:tc>
                 <a:extLst>
                   <a:ext uri="{0D108BD9-81ED-4DB2-BD59-A6C34878D82A}">
-                    <a16:rowId xmlns:a16="http://schemas.microsoft.com/office/drawing/2014/main" val="10000"/>
+                    <a16:rowId xmlns:a16="http://schemas.microsoft.com/office/drawing/2014/main" xmlns="" val="10000"/>
                   </a:ext>
                 </a:extLst>
               </a:tr>
@@ -3563,7 +3583,7 @@
                 </a:tc>
                 <a:extLst>
                   <a:ext uri="{0D108BD9-81ED-4DB2-BD59-A6C34878D82A}">
-                    <a16:rowId xmlns:a16="http://schemas.microsoft.com/office/drawing/2014/main" val="10001"/>
+                    <a16:rowId xmlns:a16="http://schemas.microsoft.com/office/drawing/2014/main" xmlns="" val="10001"/>
                   </a:ext>
                 </a:extLst>
               </a:tr>
@@ -3722,7 +3742,7 @@
                 </a:tc>
                 <a:extLst>
                   <a:ext uri="{0D108BD9-81ED-4DB2-BD59-A6C34878D82A}">
-                    <a16:rowId xmlns:a16="http://schemas.microsoft.com/office/drawing/2014/main" val="10002"/>
+                    <a16:rowId xmlns:a16="http://schemas.microsoft.com/office/drawing/2014/main" xmlns="" val="10002"/>
                   </a:ext>
                 </a:extLst>
               </a:tr>
@@ -3733,6 +3753,16 @@
                     <a:lstStyle/>
                     <a:p>
                       <a:pPr algn="ctr" latinLnBrk="1"/>
+                      <a:r>
+                        <a:rPr lang="en-US" altLang="ko-KR" sz="1200" b="0" dirty="0" smtClean="0">
+                          <a:solidFill>
+                            <a:schemeClr val="tx1"/>
+                          </a:solidFill>
+                          <a:latin typeface="맑은 고딕" pitchFamily="50" charset="-127"/>
+                          <a:ea typeface="맑은 고딕" pitchFamily="50" charset="-127"/>
+                        </a:rPr>
+                        <a:t>2017 / 05 / 26</a:t>
+                      </a:r>
                       <a:endParaRPr lang="ko-KR" altLang="en-US" sz="1200" b="0" dirty="0">
                         <a:solidFill>
                           <a:schemeClr val="tx1"/>
@@ -3754,6 +3784,16 @@
                     <a:lstStyle/>
                     <a:p>
                       <a:pPr algn="ctr" latinLnBrk="1"/>
+                      <a:r>
+                        <a:rPr lang="en-US" altLang="ko-KR" sz="1200" b="0" dirty="0" smtClean="0">
+                          <a:solidFill>
+                            <a:schemeClr val="tx1"/>
+                          </a:solidFill>
+                          <a:latin typeface="맑은 고딕" pitchFamily="50" charset="-127"/>
+                          <a:ea typeface="맑은 고딕" pitchFamily="50" charset="-127"/>
+                        </a:rPr>
+                        <a:t>V1.2</a:t>
+                      </a:r>
                       <a:endParaRPr lang="ko-KR" altLang="en-US" sz="1200" b="0" dirty="0">
                         <a:solidFill>
                           <a:schemeClr val="tx1"/>
@@ -3775,7 +3815,7 @@
                     <a:lstStyle/>
                     <a:p>
                       <a:pPr latinLnBrk="1"/>
-                      <a:endParaRPr lang="ko-KR" altLang="en-US" sz="1200" b="0">
+                      <a:endParaRPr lang="ko-KR" altLang="en-US" sz="1200" b="0" dirty="0">
                         <a:solidFill>
                           <a:schemeClr val="tx1"/>
                         </a:solidFill>
@@ -3813,7 +3853,7 @@
                 </a:tc>
                 <a:extLst>
                   <a:ext uri="{0D108BD9-81ED-4DB2-BD59-A6C34878D82A}">
-                    <a16:rowId xmlns:a16="http://schemas.microsoft.com/office/drawing/2014/main" val="10003"/>
+                    <a16:rowId xmlns:a16="http://schemas.microsoft.com/office/drawing/2014/main" xmlns="" val="10003"/>
                   </a:ext>
                 </a:extLst>
               </a:tr>
@@ -3904,7 +3944,7 @@
                 </a:tc>
                 <a:extLst>
                   <a:ext uri="{0D108BD9-81ED-4DB2-BD59-A6C34878D82A}">
-                    <a16:rowId xmlns:a16="http://schemas.microsoft.com/office/drawing/2014/main" val="10004"/>
+                    <a16:rowId xmlns:a16="http://schemas.microsoft.com/office/drawing/2014/main" xmlns="" val="10004"/>
                   </a:ext>
                 </a:extLst>
               </a:tr>
@@ -3995,7 +4035,7 @@
                 </a:tc>
                 <a:extLst>
                   <a:ext uri="{0D108BD9-81ED-4DB2-BD59-A6C34878D82A}">
-                    <a16:rowId xmlns:a16="http://schemas.microsoft.com/office/drawing/2014/main" val="10005"/>
+                    <a16:rowId xmlns:a16="http://schemas.microsoft.com/office/drawing/2014/main" xmlns="" val="10005"/>
                   </a:ext>
                 </a:extLst>
               </a:tr>
@@ -4086,7 +4126,7 @@
                 </a:tc>
                 <a:extLst>
                   <a:ext uri="{0D108BD9-81ED-4DB2-BD59-A6C34878D82A}">
-                    <a16:rowId xmlns:a16="http://schemas.microsoft.com/office/drawing/2014/main" val="10006"/>
+                    <a16:rowId xmlns:a16="http://schemas.microsoft.com/office/drawing/2014/main" xmlns="" val="10006"/>
                   </a:ext>
                 </a:extLst>
               </a:tr>
@@ -4177,7 +4217,7 @@
                 </a:tc>
                 <a:extLst>
                   <a:ext uri="{0D108BD9-81ED-4DB2-BD59-A6C34878D82A}">
-                    <a16:rowId xmlns:a16="http://schemas.microsoft.com/office/drawing/2014/main" val="10007"/>
+                    <a16:rowId xmlns:a16="http://schemas.microsoft.com/office/drawing/2014/main" xmlns="" val="10007"/>
                   </a:ext>
                 </a:extLst>
               </a:tr>
@@ -4266,7 +4306,7 @@
         </p:nvSpPr>
         <p:spPr bwMode="auto">
           <a:xfrm>
-            <a:off x="7081520" y="449659"/>
+            <a:off x="7100770" y="449659"/>
             <a:ext cx="355600" cy="203200"/>
           </a:xfrm>
           <a:prstGeom prst="rect">
@@ -4367,7 +4407,7 @@
         <p:spPr>
           <a:xfrm>
             <a:off x="6908800" y="409377"/>
-            <a:ext cx="548640" cy="307777"/>
+            <a:ext cx="548640" cy="276999"/>
           </a:xfrm>
           <a:prstGeom prst="rect">
             <a:avLst/>
@@ -4381,10 +4421,16 @@
           <a:lstStyle/>
           <a:p>
             <a:r>
-              <a:rPr lang="en-US" altLang="ko-KR" dirty="0"/>
+              <a:rPr lang="en-US" altLang="ko-KR" sz="1200" dirty="0">
+                <a:latin typeface="HY중고딕" panose="02030600000101010101" pitchFamily="18" charset="-127"/>
+                <a:ea typeface="HY중고딕" panose="02030600000101010101" pitchFamily="18" charset="-127"/>
+              </a:rPr>
               <a:t>V1.1</a:t>
             </a:r>
-            <a:endParaRPr lang="ko-KR" altLang="en-US" dirty="0"/>
+            <a:endParaRPr lang="ko-KR" altLang="en-US" sz="1200" dirty="0">
+              <a:latin typeface="HY중고딕" panose="02030600000101010101" pitchFamily="18" charset="-127"/>
+              <a:ea typeface="HY중고딕" panose="02030600000101010101" pitchFamily="18" charset="-127"/>
+            </a:endParaRPr>
           </a:p>
         </p:txBody>
       </p:sp>

--- a/doc/3_ 설계서/Class Design.pptx
+++ b/doc/3_ 설계서/Class Design.pptx
@@ -1133,28 +1133,28 @@
                 <a:gridCol w="1022523">
                   <a:extLst>
                     <a:ext uri="{9D8B030D-6E8A-4147-A177-3AD203B41FA5}">
-                      <a16:colId xmlns:a16="http://schemas.microsoft.com/office/drawing/2014/main" xmlns="" val="20000"/>
+                      <a16:colId xmlns="" xmlns:a16="http://schemas.microsoft.com/office/drawing/2014/main" val="20000"/>
                     </a:ext>
                   </a:extLst>
                 </a:gridCol>
                 <a:gridCol w="3439486">
                   <a:extLst>
                     <a:ext uri="{9D8B030D-6E8A-4147-A177-3AD203B41FA5}">
-                      <a16:colId xmlns:a16="http://schemas.microsoft.com/office/drawing/2014/main" xmlns="" val="20001"/>
+                      <a16:colId xmlns="" xmlns:a16="http://schemas.microsoft.com/office/drawing/2014/main" val="20001"/>
                     </a:ext>
                   </a:extLst>
                 </a:gridCol>
                 <a:gridCol w="947956">
                   <a:extLst>
                     <a:ext uri="{9D8B030D-6E8A-4147-A177-3AD203B41FA5}">
-                      <a16:colId xmlns:a16="http://schemas.microsoft.com/office/drawing/2014/main" xmlns="" val="20002"/>
+                      <a16:colId xmlns="" xmlns:a16="http://schemas.microsoft.com/office/drawing/2014/main" val="20002"/>
                     </a:ext>
                   </a:extLst>
                 </a:gridCol>
                 <a:gridCol w="3523377">
                   <a:extLst>
                     <a:ext uri="{9D8B030D-6E8A-4147-A177-3AD203B41FA5}">
-                      <a16:colId xmlns:a16="http://schemas.microsoft.com/office/drawing/2014/main" xmlns="" val="20003"/>
+                      <a16:colId xmlns="" xmlns:a16="http://schemas.microsoft.com/office/drawing/2014/main" val="20003"/>
                     </a:ext>
                   </a:extLst>
                 </a:gridCol>
@@ -1542,7 +1542,7 @@
                 </a:tc>
                 <a:extLst>
                   <a:ext uri="{0D108BD9-81ED-4DB2-BD59-A6C34878D82A}">
-                    <a16:rowId xmlns:a16="http://schemas.microsoft.com/office/drawing/2014/main" xmlns="" val="10000"/>
+                    <a16:rowId xmlns="" xmlns:a16="http://schemas.microsoft.com/office/drawing/2014/main" val="10000"/>
                   </a:ext>
                 </a:extLst>
               </a:tr>
@@ -1901,7 +1901,7 @@
                 </a:tc>
                 <a:extLst>
                   <a:ext uri="{0D108BD9-81ED-4DB2-BD59-A6C34878D82A}">
-                    <a16:rowId xmlns:a16="http://schemas.microsoft.com/office/drawing/2014/main" xmlns="" val="10001"/>
+                    <a16:rowId xmlns="" xmlns:a16="http://schemas.microsoft.com/office/drawing/2014/main" val="10001"/>
                   </a:ext>
                 </a:extLst>
               </a:tr>
@@ -3240,7 +3240,7 @@
             <p:ph idx="1"/>
             <p:extLst>
               <p:ext uri="{D42A27DB-BD31-4B8C-83A1-F6EECF244321}">
-                <p14:modId xmlns:p14="http://schemas.microsoft.com/office/powerpoint/2010/main" val="854949899"/>
+                <p14:modId xmlns:p14="http://schemas.microsoft.com/office/powerpoint/2010/main" val="4008589978"/>
               </p:ext>
             </p:extLst>
           </p:nvPr>
@@ -3259,28 +3259,28 @@
                 <a:gridCol w="2145506">
                   <a:extLst>
                     <a:ext uri="{9D8B030D-6E8A-4147-A177-3AD203B41FA5}">
-                      <a16:colId xmlns:a16="http://schemas.microsoft.com/office/drawing/2014/main" xmlns="" val="20000"/>
+                      <a16:colId xmlns="" xmlns:a16="http://schemas.microsoft.com/office/drawing/2014/main" val="20000"/>
                     </a:ext>
                   </a:extLst>
                 </a:gridCol>
                 <a:gridCol w="2145506">
                   <a:extLst>
                     <a:ext uri="{9D8B030D-6E8A-4147-A177-3AD203B41FA5}">
-                      <a16:colId xmlns:a16="http://schemas.microsoft.com/office/drawing/2014/main" xmlns="" val="20001"/>
+                      <a16:colId xmlns="" xmlns:a16="http://schemas.microsoft.com/office/drawing/2014/main" val="20001"/>
                     </a:ext>
                   </a:extLst>
                 </a:gridCol>
                 <a:gridCol w="2145506">
                   <a:extLst>
                     <a:ext uri="{9D8B030D-6E8A-4147-A177-3AD203B41FA5}">
-                      <a16:colId xmlns:a16="http://schemas.microsoft.com/office/drawing/2014/main" xmlns="" val="20002"/>
+                      <a16:colId xmlns="" xmlns:a16="http://schemas.microsoft.com/office/drawing/2014/main" val="20002"/>
                     </a:ext>
                   </a:extLst>
                 </a:gridCol>
                 <a:gridCol w="2145506">
                   <a:extLst>
                     <a:ext uri="{9D8B030D-6E8A-4147-A177-3AD203B41FA5}">
-                      <a16:colId xmlns:a16="http://schemas.microsoft.com/office/drawing/2014/main" xmlns="" val="20003"/>
+                      <a16:colId xmlns="" xmlns:a16="http://schemas.microsoft.com/office/drawing/2014/main" val="20003"/>
                     </a:ext>
                   </a:extLst>
                 </a:gridCol>
@@ -3408,7 +3408,7 @@
                 </a:tc>
                 <a:extLst>
                   <a:ext uri="{0D108BD9-81ED-4DB2-BD59-A6C34878D82A}">
-                    <a16:rowId xmlns:a16="http://schemas.microsoft.com/office/drawing/2014/main" xmlns="" val="10000"/>
+                    <a16:rowId xmlns="" xmlns:a16="http://schemas.microsoft.com/office/drawing/2014/main" val="10000"/>
                   </a:ext>
                 </a:extLst>
               </a:tr>
@@ -3583,7 +3583,7 @@
                 </a:tc>
                 <a:extLst>
                   <a:ext uri="{0D108BD9-81ED-4DB2-BD59-A6C34878D82A}">
-                    <a16:rowId xmlns:a16="http://schemas.microsoft.com/office/drawing/2014/main" xmlns="" val="10001"/>
+                    <a16:rowId xmlns="" xmlns:a16="http://schemas.microsoft.com/office/drawing/2014/main" val="10001"/>
                   </a:ext>
                 </a:extLst>
               </a:tr>
@@ -3742,7 +3742,7 @@
                 </a:tc>
                 <a:extLst>
                   <a:ext uri="{0D108BD9-81ED-4DB2-BD59-A6C34878D82A}">
-                    <a16:rowId xmlns:a16="http://schemas.microsoft.com/office/drawing/2014/main" xmlns="" val="10002"/>
+                    <a16:rowId xmlns="" xmlns:a16="http://schemas.microsoft.com/office/drawing/2014/main" val="10002"/>
                   </a:ext>
                 </a:extLst>
               </a:tr>
@@ -3815,6 +3815,26 @@
                     <a:lstStyle/>
                     <a:p>
                       <a:pPr latinLnBrk="1"/>
+                      <a:r>
+                        <a:rPr lang="en-US" altLang="ko-KR" sz="1200" b="0" dirty="0" smtClean="0">
+                          <a:solidFill>
+                            <a:schemeClr val="tx1"/>
+                          </a:solidFill>
+                          <a:latin typeface="맑은 고딕" pitchFamily="50" charset="-127"/>
+                          <a:ea typeface="맑은 고딕" pitchFamily="50" charset="-127"/>
+                        </a:rPr>
+                        <a:t>      </a:t>
+                      </a:r>
+                      <a:r>
+                        <a:rPr lang="ko-KR" altLang="en-US" sz="1200" b="0" dirty="0" smtClean="0">
+                          <a:solidFill>
+                            <a:schemeClr val="tx1"/>
+                          </a:solidFill>
+                          <a:latin typeface="맑은 고딕" pitchFamily="50" charset="-127"/>
+                          <a:ea typeface="맑은 고딕" pitchFamily="50" charset="-127"/>
+                        </a:rPr>
+                        <a:t>양식 수정</a:t>
+                      </a:r>
                       <a:endParaRPr lang="ko-KR" altLang="en-US" sz="1200" b="0" dirty="0">
                         <a:solidFill>
                           <a:schemeClr val="tx1"/>
@@ -3836,6 +3856,16 @@
                     <a:lstStyle/>
                     <a:p>
                       <a:pPr algn="ctr" latinLnBrk="1"/>
+                      <a:r>
+                        <a:rPr lang="ko-KR" altLang="en-US" sz="1200" b="0" smtClean="0">
+                          <a:solidFill>
+                            <a:schemeClr val="tx1"/>
+                          </a:solidFill>
+                          <a:latin typeface="맑은 고딕" pitchFamily="50" charset="-127"/>
+                          <a:ea typeface="맑은 고딕" pitchFamily="50" charset="-127"/>
+                        </a:rPr>
+                        <a:t>서현아</a:t>
+                      </a:r>
                       <a:endParaRPr lang="ko-KR" altLang="en-US" sz="1200" b="0" dirty="0">
                         <a:solidFill>
                           <a:schemeClr val="tx1"/>
@@ -3853,7 +3883,7 @@
                 </a:tc>
                 <a:extLst>
                   <a:ext uri="{0D108BD9-81ED-4DB2-BD59-A6C34878D82A}">
-                    <a16:rowId xmlns:a16="http://schemas.microsoft.com/office/drawing/2014/main" xmlns="" val="10003"/>
+                    <a16:rowId xmlns="" xmlns:a16="http://schemas.microsoft.com/office/drawing/2014/main" val="10003"/>
                   </a:ext>
                 </a:extLst>
               </a:tr>
@@ -3944,7 +3974,7 @@
                 </a:tc>
                 <a:extLst>
                   <a:ext uri="{0D108BD9-81ED-4DB2-BD59-A6C34878D82A}">
-                    <a16:rowId xmlns:a16="http://schemas.microsoft.com/office/drawing/2014/main" xmlns="" val="10004"/>
+                    <a16:rowId xmlns="" xmlns:a16="http://schemas.microsoft.com/office/drawing/2014/main" val="10004"/>
                   </a:ext>
                 </a:extLst>
               </a:tr>
@@ -4035,7 +4065,7 @@
                 </a:tc>
                 <a:extLst>
                   <a:ext uri="{0D108BD9-81ED-4DB2-BD59-A6C34878D82A}">
-                    <a16:rowId xmlns:a16="http://schemas.microsoft.com/office/drawing/2014/main" xmlns="" val="10005"/>
+                    <a16:rowId xmlns="" xmlns:a16="http://schemas.microsoft.com/office/drawing/2014/main" val="10005"/>
                   </a:ext>
                 </a:extLst>
               </a:tr>
@@ -4126,7 +4156,7 @@
                 </a:tc>
                 <a:extLst>
                   <a:ext uri="{0D108BD9-81ED-4DB2-BD59-A6C34878D82A}">
-                    <a16:rowId xmlns:a16="http://schemas.microsoft.com/office/drawing/2014/main" xmlns="" val="10006"/>
+                    <a16:rowId xmlns="" xmlns:a16="http://schemas.microsoft.com/office/drawing/2014/main" val="10006"/>
                   </a:ext>
                 </a:extLst>
               </a:tr>
@@ -4217,7 +4247,7 @@
                 </a:tc>
                 <a:extLst>
                   <a:ext uri="{0D108BD9-81ED-4DB2-BD59-A6C34878D82A}">
-                    <a16:rowId xmlns:a16="http://schemas.microsoft.com/office/drawing/2014/main" xmlns="" val="10007"/>
+                    <a16:rowId xmlns="" xmlns:a16="http://schemas.microsoft.com/office/drawing/2014/main" val="10007"/>
                   </a:ext>
                 </a:extLst>
               </a:tr>

--- a/doc/3_ 설계서/Class Design.pptx
+++ b/doc/3_ 설계서/Class Design.pptx
@@ -857,6 +857,91 @@
     </a:lvl9pPr>
   </p:notesStyle>
 </p:notesMaster>
+</file>
+
+<file path=ppt/notesSlides/notesSlide1.xml><?xml version="1.0" encoding="utf-8"?>
+<p:notes xmlns:a="http://schemas.openxmlformats.org/drawingml/2006/main" xmlns:r="http://schemas.openxmlformats.org/officeDocument/2006/relationships" xmlns:p="http://schemas.openxmlformats.org/presentationml/2006/main">
+  <p:cSld>
+    <p:spTree>
+      <p:nvGrpSpPr>
+        <p:cNvPr id="1" name=""/>
+        <p:cNvGrpSpPr/>
+        <p:nvPr/>
+      </p:nvGrpSpPr>
+      <p:grpSpPr>
+        <a:xfrm>
+          <a:off x="0" y="0"/>
+          <a:ext cx="0" cy="0"/>
+          <a:chOff x="0" y="0"/>
+          <a:chExt cx="0" cy="0"/>
+        </a:xfrm>
+      </p:grpSpPr>
+      <p:sp>
+        <p:nvSpPr>
+          <p:cNvPr id="2" name="슬라이드 이미지 개체 틀 1"/>
+          <p:cNvSpPr>
+            <a:spLocks noGrp="1" noRot="1" noChangeAspect="1"/>
+          </p:cNvSpPr>
+          <p:nvPr>
+            <p:ph type="sldImg"/>
+          </p:nvPr>
+        </p:nvSpPr>
+        <p:spPr/>
+      </p:sp>
+      <p:sp>
+        <p:nvSpPr>
+          <p:cNvPr id="3" name="슬라이드 노트 개체 틀 2"/>
+          <p:cNvSpPr>
+            <a:spLocks noGrp="1"/>
+          </p:cNvSpPr>
+          <p:nvPr>
+            <p:ph type="body" idx="1"/>
+          </p:nvPr>
+        </p:nvSpPr>
+        <p:spPr/>
+        <p:txBody>
+          <a:bodyPr/>
+          <a:lstStyle/>
+          <a:p>
+            <a:endParaRPr lang="ko-KR" altLang="en-US" dirty="0"/>
+          </a:p>
+        </p:txBody>
+      </p:sp>
+      <p:sp>
+        <p:nvSpPr>
+          <p:cNvPr id="4" name="슬라이드 번호 개체 틀 3"/>
+          <p:cNvSpPr>
+            <a:spLocks noGrp="1"/>
+          </p:cNvSpPr>
+          <p:nvPr>
+            <p:ph type="sldNum" sz="quarter" idx="10"/>
+          </p:nvPr>
+        </p:nvSpPr>
+        <p:spPr/>
+        <p:txBody>
+          <a:bodyPr/>
+          <a:lstStyle/>
+          <a:p>
+            <a:fld id="{379E618C-E705-4CD1-A19E-88052652622A}" type="slidenum">
+              <a:rPr lang="en-US" smtClean="0"/>
+              <a:pPr/>
+              <a:t>5</a:t>
+            </a:fld>
+            <a:endParaRPr lang="en-US"/>
+          </a:p>
+        </p:txBody>
+      </p:sp>
+    </p:spTree>
+    <p:extLst>
+      <p:ext uri="{BB962C8B-B14F-4D97-AF65-F5344CB8AC3E}">
+        <p14:creationId xmlns:p14="http://schemas.microsoft.com/office/powerpoint/2010/main" val="2928172457"/>
+      </p:ext>
+    </p:extLst>
+  </p:cSld>
+  <p:clrMapOvr>
+    <a:masterClrMapping/>
+  </p:clrMapOvr>
+</p:notes>
 </file>
 
 <file path=ppt/slideLayouts/slideLayout1.xml><?xml version="1.0" encoding="utf-8"?>
@@ -3240,7 +3325,7 @@
             <p:ph idx="1"/>
             <p:extLst>
               <p:ext uri="{D42A27DB-BD31-4B8C-83A1-F6EECF244321}">
-                <p14:modId xmlns:p14="http://schemas.microsoft.com/office/powerpoint/2010/main" val="4008589978"/>
+                <p14:modId xmlns:p14="http://schemas.microsoft.com/office/powerpoint/2010/main" val="418085599"/>
               </p:ext>
             </p:extLst>
           </p:nvPr>
@@ -3263,14 +3348,14 @@
                     </a:ext>
                   </a:extLst>
                 </a:gridCol>
-                <a:gridCol w="2145506">
+                <a:gridCol w="1991502">
                   <a:extLst>
                     <a:ext uri="{9D8B030D-6E8A-4147-A177-3AD203B41FA5}">
                       <a16:colId xmlns="" xmlns:a16="http://schemas.microsoft.com/office/drawing/2014/main" val="20001"/>
                     </a:ext>
                   </a:extLst>
                 </a:gridCol>
-                <a:gridCol w="2145506">
+                <a:gridCol w="2299510">
                   <a:extLst>
                     <a:ext uri="{9D8B030D-6E8A-4147-A177-3AD203B41FA5}">
                       <a16:colId xmlns="" xmlns:a16="http://schemas.microsoft.com/office/drawing/2014/main" val="20002"/>
@@ -3436,14 +3521,14 @@
                         <a:defRPr/>
                       </a:pPr>
                       <a:r>
-                        <a:rPr lang="en-US" altLang="ko-KR" sz="1200" b="0" dirty="0">
+                        <a:rPr lang="en-US" altLang="ko-KR" sz="1200" b="0" dirty="0" smtClean="0">
                           <a:solidFill>
                             <a:schemeClr val="tx1"/>
                           </a:solidFill>
                           <a:latin typeface="맑은 고딕" pitchFamily="50" charset="-127"/>
                           <a:ea typeface="맑은 고딕" pitchFamily="50" charset="-127"/>
                         </a:rPr>
-                        <a:t>2017 / 05 / 26</a:t>
+                        <a:t>2017-05-26</a:t>
                       </a:r>
                       <a:endParaRPr lang="ko-KR" altLang="en-US" sz="1200" b="0" dirty="0">
                         <a:solidFill>
@@ -3595,14 +3680,14 @@
                     <a:p>
                       <a:pPr algn="ctr" latinLnBrk="1"/>
                       <a:r>
-                        <a:rPr lang="en-US" altLang="ko-KR" sz="1200" b="0" dirty="0">
+                        <a:rPr lang="en-US" altLang="ko-KR" sz="1200" b="0" dirty="0" smtClean="0">
                           <a:solidFill>
                             <a:schemeClr val="tx1"/>
                           </a:solidFill>
                           <a:latin typeface="맑은 고딕" pitchFamily="50" charset="-127"/>
                           <a:ea typeface="맑은 고딕" pitchFamily="50" charset="-127"/>
                         </a:rPr>
-                        <a:t>2017 / 05 / 26</a:t>
+                        <a:t>2017-05-26</a:t>
                       </a:r>
                       <a:endParaRPr lang="ko-KR" altLang="en-US" sz="1200" b="0" dirty="0">
                         <a:solidFill>
@@ -3761,7 +3846,7 @@
                           <a:latin typeface="맑은 고딕" pitchFamily="50" charset="-127"/>
                           <a:ea typeface="맑은 고딕" pitchFamily="50" charset="-127"/>
                         </a:rPr>
-                        <a:t>2017 / 05 / 26</a:t>
+                        <a:t>2017-05-26</a:t>
                       </a:r>
                       <a:endParaRPr lang="ko-KR" altLang="en-US" sz="1200" b="0" dirty="0">
                         <a:solidFill>
@@ -3814,16 +3899,16 @@
                     <a:bodyPr/>
                     <a:lstStyle/>
                     <a:p>
-                      <a:pPr latinLnBrk="1"/>
+                      <a:pPr algn="ctr" latinLnBrk="1"/>
                       <a:r>
-                        <a:rPr lang="en-US" altLang="ko-KR" sz="1200" b="0" dirty="0" smtClean="0">
+                        <a:rPr lang="ko-KR" altLang="en-US" sz="1200" b="0" dirty="0" smtClean="0">
                           <a:solidFill>
                             <a:schemeClr val="tx1"/>
                           </a:solidFill>
                           <a:latin typeface="맑은 고딕" pitchFamily="50" charset="-127"/>
                           <a:ea typeface="맑은 고딕" pitchFamily="50" charset="-127"/>
                         </a:rPr>
-                        <a:t>      </a:t>
+                        <a:t>양식 </a:t>
                       </a:r>
                       <a:r>
                         <a:rPr lang="ko-KR" altLang="en-US" sz="1200" b="0" dirty="0" smtClean="0">
@@ -3833,7 +3918,7 @@
                           <a:latin typeface="맑은 고딕" pitchFamily="50" charset="-127"/>
                           <a:ea typeface="맑은 고딕" pitchFamily="50" charset="-127"/>
                         </a:rPr>
-                        <a:t>양식 수정</a:t>
+                        <a:t>수정</a:t>
                       </a:r>
                       <a:endParaRPr lang="ko-KR" altLang="en-US" sz="1200" b="0" dirty="0">
                         <a:solidFill>
@@ -3894,48 +3979,16 @@
                     <a:lstStyle/>
                     <a:p>
                       <a:pPr algn="ctr" latinLnBrk="1"/>
-                      <a:endParaRPr lang="ko-KR" altLang="en-US" sz="1200" b="0">
-                        <a:solidFill>
-                          <a:schemeClr val="tx1"/>
-                        </a:solidFill>
-                        <a:latin typeface="맑은 고딕" pitchFamily="50" charset="-127"/>
-                        <a:ea typeface="맑은 고딕" pitchFamily="50" charset="-127"/>
-                      </a:endParaRPr>
-                    </a:p>
-                  </a:txBody>
-                  <a:tcPr anchor="ctr">
-                    <a:solidFill>
-                      <a:schemeClr val="bg1"/>
-                    </a:solidFill>
-                  </a:tcPr>
-                </a:tc>
-                <a:tc>
-                  <a:txBody>
-                    <a:bodyPr/>
-                    <a:lstStyle/>
-                    <a:p>
-                      <a:pPr algn="ctr" latinLnBrk="1"/>
-                      <a:endParaRPr lang="ko-KR" altLang="en-US" sz="1200" b="0" dirty="0">
-                        <a:solidFill>
-                          <a:schemeClr val="tx1"/>
-                        </a:solidFill>
-                        <a:latin typeface="맑은 고딕" pitchFamily="50" charset="-127"/>
-                        <a:ea typeface="맑은 고딕" pitchFamily="50" charset="-127"/>
-                      </a:endParaRPr>
-                    </a:p>
-                  </a:txBody>
-                  <a:tcPr anchor="ctr">
-                    <a:solidFill>
-                      <a:schemeClr val="bg1"/>
-                    </a:solidFill>
-                  </a:tcPr>
-                </a:tc>
-                <a:tc>
-                  <a:txBody>
-                    <a:bodyPr/>
-                    <a:lstStyle/>
-                    <a:p>
-                      <a:pPr latinLnBrk="1"/>
+                      <a:r>
+                        <a:rPr lang="en-US" altLang="ko-KR" sz="1200" b="0" dirty="0" smtClean="0">
+                          <a:solidFill>
+                            <a:schemeClr val="tx1"/>
+                          </a:solidFill>
+                          <a:latin typeface="맑은 고딕" pitchFamily="50" charset="-127"/>
+                          <a:ea typeface="맑은 고딕" pitchFamily="50" charset="-127"/>
+                        </a:rPr>
+                        <a:t>2017-06-05</a:t>
+                      </a:r>
                       <a:endParaRPr lang="ko-KR" altLang="en-US" sz="1200" b="0" dirty="0">
                         <a:solidFill>
                           <a:schemeClr val="tx1"/>
@@ -3957,6 +4010,88 @@
                     <a:lstStyle/>
                     <a:p>
                       <a:pPr algn="ctr" latinLnBrk="1"/>
+                      <a:r>
+                        <a:rPr lang="en-US" altLang="ko-KR" sz="1200" b="0" dirty="0" smtClean="0">
+                          <a:solidFill>
+                            <a:schemeClr val="tx1"/>
+                          </a:solidFill>
+                          <a:latin typeface="맑은 고딕" pitchFamily="50" charset="-127"/>
+                          <a:ea typeface="맑은 고딕" pitchFamily="50" charset="-127"/>
+                        </a:rPr>
+                        <a:t>V2.0</a:t>
+                      </a:r>
+                      <a:endParaRPr lang="ko-KR" altLang="en-US" sz="1200" b="0" dirty="0">
+                        <a:solidFill>
+                          <a:schemeClr val="tx1"/>
+                        </a:solidFill>
+                        <a:latin typeface="맑은 고딕" pitchFamily="50" charset="-127"/>
+                        <a:ea typeface="맑은 고딕" pitchFamily="50" charset="-127"/>
+                      </a:endParaRPr>
+                    </a:p>
+                  </a:txBody>
+                  <a:tcPr anchor="ctr">
+                    <a:solidFill>
+                      <a:schemeClr val="bg1"/>
+                    </a:solidFill>
+                  </a:tcPr>
+                </a:tc>
+                <a:tc>
+                  <a:txBody>
+                    <a:bodyPr/>
+                    <a:lstStyle/>
+                    <a:p>
+                      <a:pPr algn="ctr" latinLnBrk="1"/>
+                      <a:r>
+                        <a:rPr lang="ko-KR" altLang="en-US" sz="1200" b="0" dirty="0" smtClean="0">
+                          <a:solidFill>
+                            <a:schemeClr val="tx1"/>
+                          </a:solidFill>
+                          <a:latin typeface="맑은 고딕" pitchFamily="50" charset="-127"/>
+                          <a:ea typeface="맑은 고딕" pitchFamily="50" charset="-127"/>
+                        </a:rPr>
+                        <a:t>변경된 요구사항에 대한 수정</a:t>
+                      </a:r>
+                      <a:endParaRPr lang="ko-KR" altLang="en-US" sz="1200" b="0" dirty="0">
+                        <a:solidFill>
+                          <a:schemeClr val="tx1"/>
+                        </a:solidFill>
+                        <a:latin typeface="맑은 고딕" pitchFamily="50" charset="-127"/>
+                        <a:ea typeface="맑은 고딕" pitchFamily="50" charset="-127"/>
+                      </a:endParaRPr>
+                    </a:p>
+                  </a:txBody>
+                  <a:tcPr anchor="ctr">
+                    <a:solidFill>
+                      <a:schemeClr val="bg1"/>
+                    </a:solidFill>
+                  </a:tcPr>
+                </a:tc>
+                <a:tc>
+                  <a:txBody>
+                    <a:bodyPr/>
+                    <a:lstStyle/>
+                    <a:p>
+                      <a:pPr algn="ctr" latinLnBrk="1"/>
+                      <a:r>
+                        <a:rPr lang="ko-KR" altLang="en-US" sz="1200" b="0" dirty="0" smtClean="0">
+                          <a:solidFill>
+                            <a:schemeClr val="tx1"/>
+                          </a:solidFill>
+                          <a:latin typeface="맑은 고딕" pitchFamily="50" charset="-127"/>
+                          <a:ea typeface="맑은 고딕" pitchFamily="50" charset="-127"/>
+                        </a:rPr>
+                        <a:t>서현</a:t>
+                      </a:r>
+                      <a:r>
+                        <a:rPr lang="ko-KR" altLang="en-US" sz="1200" b="0" dirty="0" smtClean="0">
+                          <a:solidFill>
+                            <a:schemeClr val="tx1"/>
+                          </a:solidFill>
+                          <a:latin typeface="맑은 고딕" pitchFamily="50" charset="-127"/>
+                          <a:ea typeface="맑은 고딕" pitchFamily="50" charset="-127"/>
+                        </a:rPr>
+                        <a:t>아</a:t>
+                      </a:r>
                       <a:endParaRPr lang="ko-KR" altLang="en-US" sz="1200" b="0" dirty="0">
                         <a:solidFill>
                           <a:schemeClr val="tx1"/>
@@ -4451,11 +4586,11 @@
           <a:lstStyle/>
           <a:p>
             <a:r>
-              <a:rPr lang="en-US" altLang="ko-KR" sz="1200" dirty="0">
+              <a:rPr lang="en-US" altLang="ko-KR" sz="1200" dirty="0" smtClean="0">
                 <a:latin typeface="HY중고딕" panose="02030600000101010101" pitchFamily="18" charset="-127"/>
                 <a:ea typeface="HY중고딕" panose="02030600000101010101" pitchFamily="18" charset="-127"/>
               </a:rPr>
-              <a:t>V1.1</a:t>
+              <a:t>V2.0</a:t>
             </a:r>
             <a:endParaRPr lang="ko-KR" altLang="en-US" sz="1200" dirty="0">
               <a:latin typeface="HY중고딕" panose="02030600000101010101" pitchFamily="18" charset="-127"/>
@@ -4687,7 +4822,7 @@
         <p:spPr>
           <a:xfrm>
             <a:off x="6908800" y="409377"/>
-            <a:ext cx="548640" cy="307777"/>
+            <a:ext cx="637406" cy="523220"/>
           </a:xfrm>
           <a:prstGeom prst="rect">
             <a:avLst/>
@@ -4701,9 +4836,18 @@
           <a:lstStyle/>
           <a:p>
             <a:r>
-              <a:rPr lang="en-US" altLang="ko-KR" dirty="0"/>
-              <a:t>V1.1</a:t>
+              <a:rPr lang="en-US" altLang="ko-KR" dirty="0">
+                <a:latin typeface="HY중고딕" panose="02030600000101010101" pitchFamily="18" charset="-127"/>
+                <a:ea typeface="HY중고딕" panose="02030600000101010101" pitchFamily="18" charset="-127"/>
+              </a:rPr>
+              <a:t>V2.0</a:t>
             </a:r>
+            <a:endParaRPr lang="ko-KR" altLang="en-US" dirty="0">
+              <a:latin typeface="HY중고딕" panose="02030600000101010101" pitchFamily="18" charset="-127"/>
+              <a:ea typeface="HY중고딕" panose="02030600000101010101" pitchFamily="18" charset="-127"/>
+            </a:endParaRPr>
+          </a:p>
+          <a:p>
             <a:endParaRPr lang="ko-KR" altLang="en-US" dirty="0"/>
           </a:p>
         </p:txBody>
@@ -4894,8 +5038,8 @@
         </p:nvSpPr>
         <p:spPr>
           <a:xfrm>
-            <a:off x="6908800" y="419537"/>
-            <a:ext cx="548640" cy="307777"/>
+            <a:off x="6908799" y="419537"/>
+            <a:ext cx="733659" cy="523220"/>
           </a:xfrm>
           <a:prstGeom prst="rect">
             <a:avLst/>
@@ -4909,9 +5053,18 @@
           <a:lstStyle/>
           <a:p>
             <a:r>
-              <a:rPr lang="en-US" altLang="ko-KR" dirty="0"/>
-              <a:t>V1.1</a:t>
+              <a:rPr lang="en-US" altLang="ko-KR" dirty="0">
+                <a:latin typeface="HY중고딕" panose="02030600000101010101" pitchFamily="18" charset="-127"/>
+                <a:ea typeface="HY중고딕" panose="02030600000101010101" pitchFamily="18" charset="-127"/>
+              </a:rPr>
+              <a:t>V2.0</a:t>
             </a:r>
+            <a:endParaRPr lang="ko-KR" altLang="en-US" dirty="0">
+              <a:latin typeface="HY중고딕" panose="02030600000101010101" pitchFamily="18" charset="-127"/>
+              <a:ea typeface="HY중고딕" panose="02030600000101010101" pitchFamily="18" charset="-127"/>
+            </a:endParaRPr>
+          </a:p>
+          <a:p>
             <a:endParaRPr lang="ko-KR" altLang="en-US" dirty="0"/>
           </a:p>
         </p:txBody>
@@ -4925,7 +5078,7 @@
           <p:nvPr/>
         </p:nvPicPr>
         <p:blipFill>
-          <a:blip r:embed="rId2"/>
+          <a:blip r:embed="rId3"/>
           <a:stretch>
             <a:fillRect/>
           </a:stretch>
@@ -4934,6 +5087,30 @@
           <a:xfrm>
             <a:off x="152400" y="1029970"/>
             <a:ext cx="8879840" cy="4994910"/>
+          </a:xfrm>
+          <a:prstGeom prst="rect">
+            <a:avLst/>
+          </a:prstGeom>
+        </p:spPr>
+      </p:pic>
+      <p:pic>
+        <p:nvPicPr>
+          <p:cNvPr id="3" name="그림 2"/>
+          <p:cNvPicPr>
+            <a:picLocks noChangeAspect="1"/>
+          </p:cNvPicPr>
+          <p:nvPr/>
+        </p:nvPicPr>
+        <p:blipFill>
+          <a:blip r:embed="rId4"/>
+          <a:stretch>
+            <a:fillRect/>
+          </a:stretch>
+        </p:blipFill>
+        <p:spPr>
+          <a:xfrm>
+            <a:off x="1435631" y="1388534"/>
+            <a:ext cx="1417636" cy="4047066"/>
           </a:xfrm>
           <a:prstGeom prst="rect">
             <a:avLst/>
